--- a/Azure/Dawn in the Cloud.pptx
+++ b/Azure/Dawn in the Cloud.pptx
@@ -5,10 +5,10 @@
     <p:sldMasterId id="2147483648" r:id="rId4"/>
   </p:sldMasterIdLst>
   <p:notesMasterIdLst>
-    <p:notesMasterId r:id="rId28"/>
+    <p:notesMasterId r:id="rId33"/>
   </p:notesMasterIdLst>
   <p:handoutMasterIdLst>
-    <p:handoutMasterId r:id="rId29"/>
+    <p:handoutMasterId r:id="rId34"/>
   </p:handoutMasterIdLst>
   <p:sldIdLst>
     <p:sldId id="256" r:id="rId5"/>
@@ -28,12 +28,17 @@
     <p:sldId id="281" r:id="rId19"/>
     <p:sldId id="282" r:id="rId20"/>
     <p:sldId id="283" r:id="rId21"/>
-    <p:sldId id="284" r:id="rId22"/>
-    <p:sldId id="287" r:id="rId23"/>
-    <p:sldId id="288" r:id="rId24"/>
-    <p:sldId id="285" r:id="rId25"/>
-    <p:sldId id="290" r:id="rId26"/>
-    <p:sldId id="269" r:id="rId27"/>
+    <p:sldId id="291" r:id="rId22"/>
+    <p:sldId id="292" r:id="rId23"/>
+    <p:sldId id="284" r:id="rId24"/>
+    <p:sldId id="293" r:id="rId25"/>
+    <p:sldId id="294" r:id="rId26"/>
+    <p:sldId id="296" r:id="rId27"/>
+    <p:sldId id="287" r:id="rId28"/>
+    <p:sldId id="288" r:id="rId29"/>
+    <p:sldId id="285" r:id="rId30"/>
+    <p:sldId id="290" r:id="rId31"/>
+    <p:sldId id="269" r:id="rId32"/>
   </p:sldIdLst>
   <p:sldSz cx="12192000" cy="6858000"/>
   <p:notesSz cx="6858000" cy="9144000"/>
@@ -237,7 +242,7 @@
           <a:p>
             <a:fld id="{EC34C92B-6A45-864A-B429-22A9039765DA}" type="datetimeFigureOut">
               <a:rPr lang="en-US" smtClean="0"/>
-              <a:t>02-Nov-20</a:t>
+              <a:t>07-Nov-20</a:t>
             </a:fld>
             <a:endParaRPr lang="en-US" dirty="0"/>
           </a:p>
@@ -414,7 +419,7 @@
           <a:p>
             <a:fld id="{0D265FE6-BEE9-465E-9202-2D200EDE749C}" type="datetimeFigureOut">
               <a:rPr lang="en-US" noProof="0" smtClean="0"/>
-              <a:t>02-Nov-20</a:t>
+              <a:t>07-Nov-20</a:t>
             </a:fld>
             <a:endParaRPr lang="en-US" noProof="0" dirty="0"/>
           </a:p>
@@ -12415,13 +12420,7 @@
       </p:grpSpPr>
       <p:sp>
         <p:nvSpPr>
-          <p:cNvPr id="10" name="Title 9">
-            <a:extLst>
-              <a:ext uri="{FF2B5EF4-FFF2-40B4-BE49-F238E27FC236}">
-                <a16:creationId xmlns:a16="http://schemas.microsoft.com/office/drawing/2014/main" id="{24FAFA63-EF73-4268-8107-6CD20923D700}"/>
-              </a:ext>
-            </a:extLst>
-          </p:cNvPr>
+          <p:cNvPr id="2" name="Title 1"/>
           <p:cNvSpPr>
             <a:spLocks noGrp="1"/>
           </p:cNvSpPr>
@@ -12429,19 +12428,14 @@
             <p:ph type="title"/>
           </p:nvPr>
         </p:nvSpPr>
-        <p:spPr>
-          <a:xfrm>
-            <a:off x="446314" y="500215"/>
-            <a:ext cx="11174186" cy="590931"/>
-          </a:xfrm>
-        </p:spPr>
+        <p:spPr/>
         <p:txBody>
           <a:bodyPr/>
           <a:lstStyle/>
           <a:p>
             <a:r>
               <a:rPr lang="en-US" dirty="0" smtClean="0"/>
-              <a:t>Automatically Trigger Pipeline on Code Commit</a:t>
+              <a:t>Correcting azure generated pipeline configurations</a:t>
             </a:r>
             <a:endParaRPr lang="en-US" dirty="0"/>
           </a:p>
@@ -12457,152 +12451,224 @@
             <p:ph idx="1"/>
           </p:nvPr>
         </p:nvSpPr>
-        <p:spPr/>
+        <p:spPr>
+          <a:xfrm>
+            <a:off x="446315" y="1463039"/>
+            <a:ext cx="11498035" cy="5156835"/>
+          </a:xfrm>
+        </p:spPr>
         <p:txBody>
           <a:bodyPr/>
           <a:lstStyle/>
           <a:p>
-            <a:endParaRPr lang="en-US" dirty="0"/>
-          </a:p>
-        </p:txBody>
-      </p:sp>
-      <p:pic>
-        <p:nvPicPr>
-          <p:cNvPr id="12" name="Picture 11"/>
-          <p:cNvPicPr/>
-          <p:nvPr/>
-        </p:nvPicPr>
-        <p:blipFill>
-          <a:blip r:embed="rId2"/>
-          <a:stretch>
-            <a:fillRect/>
-          </a:stretch>
-        </p:blipFill>
-        <p:spPr>
-          <a:xfrm>
-            <a:off x="678997" y="1567061"/>
-            <a:ext cx="2647950" cy="1266825"/>
-          </a:xfrm>
-          <a:prstGeom prst="rect">
-            <a:avLst/>
-          </a:prstGeom>
-        </p:spPr>
-      </p:pic>
-      <p:pic>
-        <p:nvPicPr>
-          <p:cNvPr id="13" name="Picture 12"/>
-          <p:cNvPicPr/>
-          <p:nvPr/>
-        </p:nvPicPr>
-        <p:blipFill>
-          <a:blip r:embed="rId3"/>
-          <a:stretch>
-            <a:fillRect/>
-          </a:stretch>
-        </p:blipFill>
-        <p:spPr>
-          <a:xfrm>
-            <a:off x="3788093" y="1567062"/>
-            <a:ext cx="5943600" cy="1803156"/>
-          </a:xfrm>
-          <a:prstGeom prst="rect">
-            <a:avLst/>
-          </a:prstGeom>
-        </p:spPr>
-      </p:pic>
-      <p:pic>
-        <p:nvPicPr>
-          <p:cNvPr id="14" name="Picture 13"/>
-          <p:cNvPicPr/>
-          <p:nvPr/>
-        </p:nvPicPr>
-        <p:blipFill>
-          <a:blip r:embed="rId4"/>
-          <a:stretch>
-            <a:fillRect/>
-          </a:stretch>
-        </p:blipFill>
-        <p:spPr>
-          <a:xfrm>
-            <a:off x="678997" y="3594346"/>
-            <a:ext cx="5943600" cy="939165"/>
-          </a:xfrm>
-          <a:prstGeom prst="rect">
-            <a:avLst/>
-          </a:prstGeom>
-          <a:ln>
-            <a:solidFill>
-              <a:schemeClr val="accent1"/>
-            </a:solidFill>
-          </a:ln>
-        </p:spPr>
-      </p:pic>
-      <p:pic>
-        <p:nvPicPr>
-          <p:cNvPr id="15" name="Picture 14"/>
-          <p:cNvPicPr/>
-          <p:nvPr/>
-        </p:nvPicPr>
-        <p:blipFill>
-          <a:blip r:embed="rId5"/>
-          <a:stretch>
-            <a:fillRect/>
-          </a:stretch>
-        </p:blipFill>
-        <p:spPr>
-          <a:xfrm>
-            <a:off x="678997" y="4633161"/>
-            <a:ext cx="5943600" cy="1736725"/>
-          </a:xfrm>
-          <a:prstGeom prst="rect">
-            <a:avLst/>
-          </a:prstGeom>
-          <a:ln>
-            <a:solidFill>
-              <a:schemeClr val="accent1"/>
-            </a:solidFill>
-          </a:ln>
-        </p:spPr>
-      </p:pic>
-      <p:pic>
-        <p:nvPicPr>
-          <p:cNvPr id="16" name="Picture 15"/>
-          <p:cNvPicPr/>
-          <p:nvPr/>
-        </p:nvPicPr>
-        <p:blipFill>
-          <a:blip r:embed="rId6"/>
-          <a:stretch>
-            <a:fillRect/>
-          </a:stretch>
-        </p:blipFill>
-        <p:spPr>
-          <a:xfrm>
-            <a:off x="5963194" y="4293213"/>
-            <a:ext cx="5943600" cy="1939925"/>
-          </a:xfrm>
-          <a:prstGeom prst="rect">
-            <a:avLst/>
-          </a:prstGeom>
-        </p:spPr>
-      </p:pic>
+            <a:r>
+              <a:rPr lang="en-US" sz="1600" dirty="0" smtClean="0"/>
+              <a:t>When pipeline is created via azure </a:t>
+            </a:r>
+            <a:r>
+              <a:rPr lang="en-US" sz="1600" dirty="0" err="1" smtClean="0"/>
+              <a:t>devops</a:t>
+            </a:r>
+            <a:r>
+              <a:rPr lang="en-US" sz="1600" dirty="0" smtClean="0"/>
+              <a:t>, it </a:t>
+            </a:r>
+            <a:r>
+              <a:rPr lang="en-US" sz="1600" dirty="0"/>
+              <a:t>will create </a:t>
+            </a:r>
+            <a:endParaRPr lang="en-US" sz="1600" dirty="0" smtClean="0"/>
+          </a:p>
+          <a:p>
+            <a:pPr marL="800100" lvl="1" indent="-342900">
+              <a:spcAft>
+                <a:spcPts val="0"/>
+              </a:spcAft>
+              <a:buFont typeface="+mj-lt"/>
+              <a:buAutoNum type="arabicPeriod"/>
+            </a:pPr>
+            <a:r>
+              <a:rPr lang="en-US" sz="1400" dirty="0" smtClean="0"/>
+              <a:t>azure-</a:t>
+            </a:r>
+            <a:r>
+              <a:rPr lang="en-US" sz="1400" dirty="0" err="1" smtClean="0"/>
+              <a:t>pipelines.yml</a:t>
+            </a:r>
+            <a:endParaRPr lang="en-US" sz="1400" dirty="0"/>
+          </a:p>
+          <a:p>
+            <a:pPr marL="800100" lvl="1" indent="-342900">
+              <a:spcAft>
+                <a:spcPts val="0"/>
+              </a:spcAft>
+              <a:buFont typeface="+mj-lt"/>
+              <a:buAutoNum type="arabicPeriod"/>
+            </a:pPr>
+            <a:r>
+              <a:rPr lang="en-US" sz="1400" dirty="0" err="1" smtClean="0"/>
+              <a:t>Mainifest</a:t>
+            </a:r>
+            <a:r>
+              <a:rPr lang="en-US" sz="1400" dirty="0" smtClean="0"/>
+              <a:t> folder with </a:t>
+            </a:r>
+            <a:r>
+              <a:rPr lang="en-US" sz="1400" dirty="0" err="1" smtClean="0"/>
+              <a:t>deployment.yml</a:t>
+            </a:r>
+            <a:r>
+              <a:rPr lang="en-US" sz="1400" dirty="0" smtClean="0"/>
+              <a:t> and </a:t>
+            </a:r>
+            <a:r>
+              <a:rPr lang="en-US" sz="1400" dirty="0" err="1" smtClean="0"/>
+              <a:t>service.yml</a:t>
+            </a:r>
+            <a:endParaRPr lang="en-US" sz="1400" dirty="0" smtClean="0"/>
+          </a:p>
+          <a:p>
+            <a:r>
+              <a:rPr lang="en-US" sz="1600" dirty="0" smtClean="0"/>
+              <a:t>This deployment and </a:t>
+            </a:r>
+            <a:r>
+              <a:rPr lang="en-US" sz="1600" dirty="0" err="1" smtClean="0"/>
+              <a:t>service.yml</a:t>
+            </a:r>
+            <a:r>
+              <a:rPr lang="en-US" sz="1600" dirty="0" smtClean="0"/>
+              <a:t> file refers only the front-end app. There is no configuration for backend app, i.e., </a:t>
+            </a:r>
+            <a:r>
+              <a:rPr lang="en-US" sz="1600" dirty="0" err="1" smtClean="0"/>
+              <a:t>redis</a:t>
+            </a:r>
+            <a:r>
+              <a:rPr lang="en-US" sz="1600" dirty="0" smtClean="0"/>
+              <a:t>. Also few more configurations such as </a:t>
+            </a:r>
+            <a:r>
+              <a:rPr lang="en-US" sz="1600" dirty="0" err="1" smtClean="0"/>
+              <a:t>acr</a:t>
+            </a:r>
+            <a:r>
+              <a:rPr lang="en-US" sz="1600" dirty="0" smtClean="0"/>
+              <a:t> repository location is not properly set.</a:t>
+            </a:r>
+          </a:p>
+          <a:p>
+            <a:r>
+              <a:rPr lang="en-US" sz="1600" dirty="0" smtClean="0"/>
+              <a:t>So even though initial deployments success, it wont expose the application.</a:t>
+            </a:r>
+          </a:p>
+          <a:p>
+            <a:r>
+              <a:rPr lang="en-US" sz="1600" dirty="0" smtClean="0"/>
+              <a:t>So we need to update the pipeline reference to refer our own k8s </a:t>
+            </a:r>
+            <a:r>
+              <a:rPr lang="en-US" sz="1600" dirty="0" err="1" smtClean="0"/>
+              <a:t>config</a:t>
+            </a:r>
+            <a:r>
+              <a:rPr lang="en-US" sz="1600" dirty="0" smtClean="0"/>
+              <a:t> file.</a:t>
+            </a:r>
+          </a:p>
+          <a:p>
+            <a:r>
+              <a:rPr lang="en-US" sz="1600" dirty="0" smtClean="0"/>
+              <a:t>Copy manifests/azure-vote-all-in-one-</a:t>
+            </a:r>
+            <a:r>
+              <a:rPr lang="en-US" sz="1600" dirty="0" err="1" smtClean="0"/>
+              <a:t>redis.yaml</a:t>
+            </a:r>
+            <a:r>
+              <a:rPr lang="en-US" sz="1600" dirty="0" smtClean="0"/>
+              <a:t> to manifests folder</a:t>
+            </a:r>
+          </a:p>
+          <a:p>
+            <a:r>
+              <a:rPr lang="en-US" sz="1600" dirty="0" smtClean="0"/>
+              <a:t>Correct the image location from where we need to pull </a:t>
+            </a:r>
+            <a:r>
+              <a:rPr lang="en-US" sz="1600" dirty="0" err="1" smtClean="0"/>
+              <a:t>acr</a:t>
+            </a:r>
+            <a:r>
+              <a:rPr lang="en-US" sz="1600" dirty="0" smtClean="0"/>
+              <a:t> image into </a:t>
+            </a:r>
+            <a:r>
+              <a:rPr lang="en-US" sz="1600" dirty="0" err="1" smtClean="0"/>
+              <a:t>aks</a:t>
+            </a:r>
+            <a:r>
+              <a:rPr lang="en-US" sz="1600" dirty="0" smtClean="0"/>
+              <a:t>.</a:t>
+            </a:r>
+          </a:p>
+          <a:p>
+            <a:r>
+              <a:rPr lang="en-US" sz="1600" dirty="0" smtClean="0"/>
+              <a:t>Once these changes are done, then deployment is smooth.</a:t>
+            </a:r>
+          </a:p>
+          <a:p>
+            <a:endParaRPr lang="en-US" sz="1600" dirty="0" smtClean="0"/>
+          </a:p>
+          <a:p>
+            <a:pPr marL="0" indent="0" algn="ctr">
+              <a:buNone/>
+            </a:pPr>
+            <a:r>
+              <a:rPr lang="en-US" sz="2000" b="1" dirty="0" smtClean="0">
+                <a:solidFill>
+                  <a:srgbClr val="FF0000"/>
+                </a:solidFill>
+              </a:rPr>
+              <a:t>NOW  FULL  CI CD  is  implemented </a:t>
+            </a:r>
+            <a:r>
+              <a:rPr lang="en-US" sz="2000" b="1" dirty="0" smtClean="0">
+                <a:solidFill>
+                  <a:srgbClr val="FF0000"/>
+                </a:solidFill>
+                <a:sym typeface="Wingdings" panose="05000000000000000000" pitchFamily="2" charset="2"/>
+              </a:rPr>
+              <a:t> </a:t>
+            </a:r>
+            <a:r>
+              <a:rPr lang="en-US" sz="2000" b="1" dirty="0" smtClean="0">
+                <a:solidFill>
+                  <a:srgbClr val="FF0000"/>
+                </a:solidFill>
+              </a:rPr>
+              <a:t>!!!!</a:t>
+            </a:r>
+            <a:endParaRPr lang="en-US" sz="2000" b="1" dirty="0">
+              <a:solidFill>
+                <a:srgbClr val="FF0000"/>
+              </a:solidFill>
+            </a:endParaRPr>
+          </a:p>
+        </p:txBody>
+      </p:sp>
     </p:spTree>
     <p:extLst>
       <p:ext uri="{BB962C8B-B14F-4D97-AF65-F5344CB8AC3E}">
-        <p14:creationId xmlns:p14="http://schemas.microsoft.com/office/powerpoint/2010/main" val="1883407817"/>
+        <p14:creationId xmlns:p14="http://schemas.microsoft.com/office/powerpoint/2010/main" val="3669589811"/>
       </p:ext>
     </p:extLst>
   </p:cSld>
   <p:clrMapOvr>
     <a:masterClrMapping/>
   </p:clrMapOvr>
-  <p:timing>
-    <p:tnLst>
-      <p:par>
-        <p:cTn id="1" dur="indefinite" restart="never" nodeType="tmRoot"/>
-      </p:par>
-    </p:tnLst>
-  </p:timing>
 </p:sld>
 </file>
 
@@ -12625,13 +12691,7 @@
       </p:grpSpPr>
       <p:sp>
         <p:nvSpPr>
-          <p:cNvPr id="10" name="Title 9">
-            <a:extLst>
-              <a:ext uri="{FF2B5EF4-FFF2-40B4-BE49-F238E27FC236}">
-                <a16:creationId xmlns:a16="http://schemas.microsoft.com/office/drawing/2014/main" id="{24FAFA63-EF73-4268-8107-6CD20923D700}"/>
-              </a:ext>
-            </a:extLst>
-          </p:cNvPr>
+          <p:cNvPr id="2" name="Title 1"/>
           <p:cNvSpPr>
             <a:spLocks noGrp="1"/>
           </p:cNvSpPr>
@@ -12639,519 +12699,71 @@
             <p:ph type="title"/>
           </p:nvPr>
         </p:nvSpPr>
-        <p:spPr>
-          <a:xfrm>
-            <a:off x="446314" y="464401"/>
-            <a:ext cx="5170715" cy="590931"/>
-          </a:xfrm>
-        </p:spPr>
+        <p:spPr/>
         <p:txBody>
           <a:bodyPr/>
           <a:lstStyle/>
           <a:p>
             <a:r>
-              <a:rPr lang="en-US" dirty="0"/>
-              <a:t>Issues </a:t>
-            </a:r>
-            <a:r>
               <a:rPr lang="en-US" dirty="0" smtClean="0"/>
-              <a:t>Faced - 1</a:t>
+              <a:t>Correcting azure generated pipeline configurations</a:t>
             </a:r>
             <a:endParaRPr lang="en-US" dirty="0"/>
-          </a:p>
-        </p:txBody>
-      </p:sp>
-      <p:sp>
-        <p:nvSpPr>
-          <p:cNvPr id="17" name="Text Placeholder 16">
-            <a:extLst>
-              <a:ext uri="{FF2B5EF4-FFF2-40B4-BE49-F238E27FC236}">
-                <a16:creationId xmlns:a16="http://schemas.microsoft.com/office/drawing/2014/main" id="{BB40F080-6054-425B-9E1C-1DDC9260832D}"/>
-              </a:ext>
-            </a:extLst>
-          </p:cNvPr>
-          <p:cNvSpPr>
-            <a:spLocks noGrp="1"/>
-          </p:cNvSpPr>
-          <p:nvPr>
-            <p:ph type="body" sz="quarter" idx="17"/>
-          </p:nvPr>
-        </p:nvSpPr>
-        <p:spPr>
-          <a:xfrm>
-            <a:off x="508906" y="1192935"/>
-            <a:ext cx="5045529" cy="5541240"/>
-          </a:xfrm>
-        </p:spPr>
-        <p:txBody>
-          <a:bodyPr/>
-          <a:lstStyle/>
-          <a:p>
-            <a:pPr marL="285750" indent="-285750">
-              <a:spcBef>
-                <a:spcPts val="1200"/>
-              </a:spcBef>
-              <a:buFont typeface="Arial" panose="020B0604020202020204" pitchFamily="34" charset="0"/>
-              <a:buChar char="•"/>
-            </a:pPr>
-            <a:r>
-              <a:rPr lang="en-US" dirty="0"/>
-              <a:t>When creating AKS, it didn't allow names with "-" separator</a:t>
-            </a:r>
-          </a:p>
-          <a:p>
-            <a:pPr marL="285750" indent="-285750">
-              <a:spcBef>
-                <a:spcPts val="1200"/>
-              </a:spcBef>
-              <a:buFont typeface="Arial" panose="020B0604020202020204" pitchFamily="34" charset="0"/>
-              <a:buChar char="•"/>
-            </a:pPr>
-            <a:r>
-              <a:rPr lang="en-US" dirty="0"/>
-              <a:t>When creating ACR, it warns that I shouldn't use capital letters, because they are considered as </a:t>
-            </a:r>
-            <a:r>
-              <a:rPr lang="en-US" dirty="0" smtClean="0"/>
-              <a:t>small cases.</a:t>
-            </a:r>
-            <a:endParaRPr lang="en-US" dirty="0"/>
-          </a:p>
-          <a:p>
-            <a:pPr marL="285750" indent="-285750">
-              <a:spcBef>
-                <a:spcPts val="1200"/>
-              </a:spcBef>
-              <a:buFont typeface="Arial" panose="020B0604020202020204" pitchFamily="34" charset="0"/>
-              <a:buChar char="•"/>
-            </a:pPr>
-            <a:r>
-              <a:rPr lang="en-US" dirty="0"/>
-              <a:t>Image push was taking long time, and it started handing. So killed the process and on return I saw image was already pushed</a:t>
-            </a:r>
-          </a:p>
-          <a:p>
-            <a:pPr marL="285750" indent="-285750">
-              <a:spcBef>
-                <a:spcPts val="1200"/>
-              </a:spcBef>
-              <a:buFont typeface="Arial" panose="020B0604020202020204" pitchFamily="34" charset="0"/>
-              <a:buChar char="•"/>
-            </a:pPr>
-            <a:r>
-              <a:rPr lang="en-US" dirty="0"/>
-              <a:t>As per the tutorial, I needed to use "--enable-cluster-autoscaler“.  That mandated me to use "max-count 2   --min-count 2“</a:t>
-            </a:r>
-          </a:p>
-          <a:p>
-            <a:pPr marL="285750" indent="-285750">
-              <a:spcBef>
-                <a:spcPts val="1200"/>
-              </a:spcBef>
-              <a:buFont typeface="Arial" panose="020B0604020202020204" pitchFamily="34" charset="0"/>
-              <a:buChar char="•"/>
-            </a:pPr>
-            <a:r>
-              <a:rPr lang="en-US" dirty="0"/>
-              <a:t>It took some time for me to find how to create Bseries 2 size VM. Then </a:t>
-            </a:r>
-            <a:r>
-              <a:rPr lang="en-US" dirty="0" err="1"/>
-              <a:t>i</a:t>
-            </a:r>
-            <a:r>
-              <a:rPr lang="en-US" dirty="0"/>
-              <a:t> read the following page </a:t>
-            </a:r>
-            <a:r>
-              <a:rPr lang="en-US" dirty="0">
-                <a:hlinkClick r:id="rId2"/>
-              </a:rPr>
-              <a:t>https://azure.microsoft.com/hu-hu/blog/introducing-burstable-vm-support-in-aks/</a:t>
-            </a:r>
-            <a:endParaRPr lang="en-US" dirty="0"/>
-          </a:p>
-          <a:p>
-            <a:pPr marL="285750" indent="-285750">
-              <a:spcBef>
-                <a:spcPts val="1200"/>
-              </a:spcBef>
-              <a:buFont typeface="Arial" panose="020B0604020202020204" pitchFamily="34" charset="0"/>
-              <a:buChar char="•"/>
-            </a:pPr>
-            <a:r>
-              <a:rPr lang="en-US" dirty="0"/>
-              <a:t>When dealing with kubectl for the first-time with AKS, I had many issues. </a:t>
-            </a:r>
-            <a:r>
-              <a:rPr lang="en-US" dirty="0" err="1"/>
-              <a:t>Aks</a:t>
-            </a:r>
-            <a:r>
-              <a:rPr lang="en-US" dirty="0"/>
-              <a:t> get-credentials did not solve the issue. Then later I found that, I set </a:t>
-            </a:r>
-            <a:r>
-              <a:rPr lang="en-US" dirty="0" err="1"/>
-              <a:t>kubeconfig</a:t>
-            </a:r>
-            <a:r>
-              <a:rPr lang="en-US" dirty="0"/>
-              <a:t> value in environment variable. So I removed and forced kubectl to use the one in the user </a:t>
-            </a:r>
-            <a:r>
-              <a:rPr lang="en-US" dirty="0" err="1"/>
-              <a:t>firectory</a:t>
-            </a:r>
-            <a:r>
-              <a:rPr lang="en-US" dirty="0"/>
-              <a:t>/.</a:t>
-            </a:r>
-            <a:r>
-              <a:rPr lang="en-US" dirty="0" err="1"/>
-              <a:t>kube</a:t>
-            </a:r>
-            <a:r>
-              <a:rPr lang="en-US" dirty="0"/>
-              <a:t> folder</a:t>
-            </a:r>
-          </a:p>
-          <a:p>
-            <a:pPr marL="285750" indent="-285750">
-              <a:spcBef>
-                <a:spcPts val="1200"/>
-              </a:spcBef>
-              <a:buFont typeface="Arial" panose="020B0604020202020204" pitchFamily="34" charset="0"/>
-              <a:buChar char="•"/>
-            </a:pPr>
-            <a:r>
-              <a:rPr lang="en-US" dirty="0"/>
-              <a:t>During docker image push, I got authentication error. So I performed az </a:t>
-            </a:r>
-            <a:r>
-              <a:rPr lang="en-US" dirty="0" err="1"/>
-              <a:t>acr</a:t>
-            </a:r>
-            <a:r>
-              <a:rPr lang="en-US" dirty="0"/>
-              <a:t> login</a:t>
-            </a:r>
           </a:p>
         </p:txBody>
       </p:sp>
       <p:pic>
         <p:nvPicPr>
-          <p:cNvPr id="23" name="Picture Placeholder 22" descr="Right side image placeholder">
-            <a:extLst>
-              <a:ext uri="{FF2B5EF4-FFF2-40B4-BE49-F238E27FC236}">
-                <a16:creationId xmlns:a16="http://schemas.microsoft.com/office/drawing/2014/main" id="{DC389449-072E-4155-BA3B-C45AA950BF24}"/>
-              </a:ext>
-            </a:extLst>
-          </p:cNvPr>
+          <p:cNvPr id="6" name="Picture 5"/>
           <p:cNvPicPr>
-            <a:picLocks noGrp="1" noChangeAspect="1"/>
+            <a:picLocks noChangeAspect="1"/>
           </p:cNvPicPr>
-          <p:nvPr>
-            <p:ph type="pic" sz="quarter" idx="13"/>
-          </p:nvPr>
+          <p:nvPr/>
         </p:nvPicPr>
         <p:blipFill>
-          <a:blip r:embed="rId3">
-            <a:extLst>
-              <a:ext uri="{28A0092B-C50C-407E-A947-70E740481C1C}">
-                <a14:useLocalDpi xmlns:a14="http://schemas.microsoft.com/office/drawing/2010/main" val="0"/>
-              </a:ext>
-            </a:extLst>
-          </a:blip>
-          <a:srcRect/>
+          <a:blip r:embed="rId2"/>
           <a:stretch>
             <a:fillRect/>
           </a:stretch>
         </p:blipFill>
-        <p:spPr/>
-      </p:pic>
-      <p:sp>
-        <p:nvSpPr>
-          <p:cNvPr id="7" name="Rectangle 6">
-            <a:extLst>
-              <a:ext uri="{FF2B5EF4-FFF2-40B4-BE49-F238E27FC236}">
-                <a16:creationId xmlns:a16="http://schemas.microsoft.com/office/drawing/2014/main" id="{61E397FF-5106-4C31-8E91-796AEA20258E}"/>
-              </a:ext>
-              <a:ext uri="{C183D7F6-B498-43B3-948B-1728B52AA6E4}">
-                <adec:decorative xmlns:adec="http://schemas.microsoft.com/office/drawing/2017/decorative" xmlns="" val="1"/>
-              </a:ext>
-            </a:extLst>
-          </p:cNvPr>
-          <p:cNvSpPr/>
-          <p:nvPr/>
-        </p:nvSpPr>
-        <p:spPr>
-          <a:xfrm>
-            <a:off x="11360016" y="6369050"/>
-            <a:ext cx="335909" cy="488950"/>
+        <p:spPr>
+          <a:xfrm>
+            <a:off x="119062" y="3086100"/>
+            <a:ext cx="6815138" cy="3671888"/>
           </a:xfrm>
           <a:prstGeom prst="rect">
             <a:avLst/>
           </a:prstGeom>
-          <a:solidFill>
-            <a:schemeClr val="bg2">
-              <a:lumMod val="85000"/>
-            </a:schemeClr>
-          </a:solidFill>
-          <a:ln>
-            <a:noFill/>
-          </a:ln>
-        </p:spPr>
-        <p:style>
-          <a:lnRef idx="2">
-            <a:schemeClr val="accent1">
-              <a:shade val="50000"/>
-            </a:schemeClr>
-          </a:lnRef>
-          <a:fillRef idx="1">
-            <a:schemeClr val="accent1"/>
-          </a:fillRef>
-          <a:effectRef idx="0">
-            <a:schemeClr val="accent1"/>
-          </a:effectRef>
-          <a:fontRef idx="minor">
-            <a:schemeClr val="lt1"/>
-          </a:fontRef>
-        </p:style>
-        <p:txBody>
-          <a:bodyPr rot="0" spcFirstLastPara="0" vertOverflow="overflow" horzOverflow="overflow" vert="horz" wrap="square" lIns="91440" tIns="45720" rIns="91440" bIns="45720" numCol="1" spcCol="0" rtlCol="0" fromWordArt="0" anchor="ctr" anchorCtr="0" forceAA="0" compatLnSpc="1">
-            <a:prstTxWarp prst="textNoShape">
-              <a:avLst/>
-            </a:prstTxWarp>
-            <a:noAutofit/>
-          </a:bodyPr>
-          <a:lstStyle/>
-          <a:p>
-            <a:pPr algn="ctr"/>
-            <a:endParaRPr lang="en-US" dirty="0">
-              <a:solidFill>
-                <a:schemeClr val="tx1"/>
-              </a:solidFill>
-            </a:endParaRPr>
-          </a:p>
-        </p:txBody>
-      </p:sp>
-      <p:sp>
-        <p:nvSpPr>
-          <p:cNvPr id="8" name="Slide Number Placeholder 5">
-            <a:extLst>
-              <a:ext uri="{FF2B5EF4-FFF2-40B4-BE49-F238E27FC236}">
-                <a16:creationId xmlns:a16="http://schemas.microsoft.com/office/drawing/2014/main" id="{D7DDE5B7-93F1-4010-85B1-8F63FD5044C7}"/>
-              </a:ext>
-            </a:extLst>
-          </p:cNvPr>
-          <p:cNvSpPr txBox="1">
-            <a:spLocks/>
-          </p:cNvSpPr>
+        </p:spPr>
+      </p:pic>
+      <p:pic>
+        <p:nvPicPr>
+          <p:cNvPr id="7" name="Picture 6"/>
+          <p:cNvPicPr>
+            <a:picLocks noChangeAspect="1"/>
+          </p:cNvPicPr>
           <p:nvPr/>
-        </p:nvSpPr>
-        <p:spPr>
-          <a:xfrm>
-            <a:off x="11360016" y="6369050"/>
-            <a:ext cx="335909" cy="365125"/>
+        </p:nvPicPr>
+        <p:blipFill>
+          <a:blip r:embed="rId3"/>
+          <a:stretch>
+            <a:fillRect/>
+          </a:stretch>
+        </p:blipFill>
+        <p:spPr>
+          <a:xfrm>
+            <a:off x="6091621" y="1276350"/>
+            <a:ext cx="5957267" cy="3590925"/>
           </a:xfrm>
           <a:prstGeom prst="rect">
             <a:avLst/>
           </a:prstGeom>
-          <a:solidFill>
-            <a:schemeClr val="accent2"/>
-          </a:solidFill>
-        </p:spPr>
-        <p:txBody>
-          <a:bodyPr vert="horz" lIns="0" tIns="45720" rIns="0" bIns="45720" rtlCol="0" anchor="ctr">
-            <a:normAutofit/>
-          </a:bodyPr>
-          <a:lstStyle>
-            <a:lvl1pPr marL="0" indent="0" algn="ctr" defTabSz="914400" rtl="0" eaLnBrk="1" latinLnBrk="0" hangingPunct="1">
-              <a:lnSpc>
-                <a:spcPct val="90000"/>
-              </a:lnSpc>
-              <a:spcBef>
-                <a:spcPts val="1000"/>
-              </a:spcBef>
-              <a:buFont typeface="Arial" panose="020B0604020202020204" pitchFamily="34" charset="0"/>
-              <a:buNone/>
-              <a:defRPr sz="1000" b="0" kern="1200">
-                <a:solidFill>
-                  <a:srgbClr val="01C6FD"/>
-                </a:solidFill>
-                <a:latin typeface="+mn-lt"/>
-                <a:ea typeface="+mn-ea"/>
-                <a:cs typeface="+mn-cs"/>
-              </a:defRPr>
-            </a:lvl1pPr>
-            <a:lvl2pPr marL="685800" indent="-228600" algn="l" defTabSz="914400" rtl="0" eaLnBrk="1" latinLnBrk="0" hangingPunct="1">
-              <a:lnSpc>
-                <a:spcPct val="90000"/>
-              </a:lnSpc>
-              <a:spcBef>
-                <a:spcPts val="500"/>
-              </a:spcBef>
-              <a:buFont typeface="Arial" panose="020B0604020202020204" pitchFamily="34" charset="0"/>
-              <a:buChar char="•"/>
-              <a:defRPr sz="2400" b="0" kern="1200">
-                <a:solidFill>
-                  <a:schemeClr val="tx1"/>
-                </a:solidFill>
-                <a:latin typeface="+mn-lt"/>
-                <a:ea typeface="+mn-ea"/>
-                <a:cs typeface="+mn-cs"/>
-              </a:defRPr>
-            </a:lvl2pPr>
-            <a:lvl3pPr marL="1143000" indent="-228600" algn="l" defTabSz="914400" rtl="0" eaLnBrk="1" latinLnBrk="0" hangingPunct="1">
-              <a:lnSpc>
-                <a:spcPct val="90000"/>
-              </a:lnSpc>
-              <a:spcBef>
-                <a:spcPts val="500"/>
-              </a:spcBef>
-              <a:buFont typeface="Arial" panose="020B0604020202020204" pitchFamily="34" charset="0"/>
-              <a:buChar char="•"/>
-              <a:defRPr sz="2000" b="0" kern="1200">
-                <a:solidFill>
-                  <a:schemeClr val="tx1"/>
-                </a:solidFill>
-                <a:latin typeface="+mn-lt"/>
-                <a:ea typeface="+mn-ea"/>
-                <a:cs typeface="+mn-cs"/>
-              </a:defRPr>
-            </a:lvl3pPr>
-            <a:lvl4pPr marL="1600200" indent="-228600" algn="l" defTabSz="914400" rtl="0" eaLnBrk="1" latinLnBrk="0" hangingPunct="1">
-              <a:lnSpc>
-                <a:spcPct val="90000"/>
-              </a:lnSpc>
-              <a:spcBef>
-                <a:spcPts val="500"/>
-              </a:spcBef>
-              <a:buFont typeface="Arial" panose="020B0604020202020204" pitchFamily="34" charset="0"/>
-              <a:buChar char="•"/>
-              <a:defRPr sz="1800" b="0" kern="1200">
-                <a:solidFill>
-                  <a:schemeClr val="tx1"/>
-                </a:solidFill>
-                <a:latin typeface="+mn-lt"/>
-                <a:ea typeface="+mn-ea"/>
-                <a:cs typeface="+mn-cs"/>
-              </a:defRPr>
-            </a:lvl4pPr>
-            <a:lvl5pPr marL="2057400" indent="-228600" algn="l" defTabSz="914400" rtl="0" eaLnBrk="1" latinLnBrk="0" hangingPunct="1">
-              <a:lnSpc>
-                <a:spcPct val="90000"/>
-              </a:lnSpc>
-              <a:spcBef>
-                <a:spcPts val="500"/>
-              </a:spcBef>
-              <a:buFont typeface="Arial" panose="020B0604020202020204" pitchFamily="34" charset="0"/>
-              <a:buChar char="•"/>
-              <a:defRPr sz="1800" b="0" kern="1200">
-                <a:solidFill>
-                  <a:schemeClr val="tx1"/>
-                </a:solidFill>
-                <a:latin typeface="+mn-lt"/>
-                <a:ea typeface="+mn-ea"/>
-                <a:cs typeface="+mn-cs"/>
-              </a:defRPr>
-            </a:lvl5pPr>
-            <a:lvl6pPr marL="2514600" indent="-228600" algn="l" defTabSz="914400" rtl="0" eaLnBrk="1" latinLnBrk="0" hangingPunct="1">
-              <a:lnSpc>
-                <a:spcPct val="90000"/>
-              </a:lnSpc>
-              <a:spcBef>
-                <a:spcPts val="500"/>
-              </a:spcBef>
-              <a:buFont typeface="Arial" panose="020B0604020202020204" pitchFamily="34" charset="0"/>
-              <a:buChar char="•"/>
-              <a:defRPr sz="1800" kern="1200">
-                <a:solidFill>
-                  <a:schemeClr val="tx1"/>
-                </a:solidFill>
-                <a:latin typeface="+mn-lt"/>
-                <a:ea typeface="+mn-ea"/>
-                <a:cs typeface="+mn-cs"/>
-              </a:defRPr>
-            </a:lvl6pPr>
-            <a:lvl7pPr marL="2971800" indent="-228600" algn="l" defTabSz="914400" rtl="0" eaLnBrk="1" latinLnBrk="0" hangingPunct="1">
-              <a:lnSpc>
-                <a:spcPct val="90000"/>
-              </a:lnSpc>
-              <a:spcBef>
-                <a:spcPts val="500"/>
-              </a:spcBef>
-              <a:buFont typeface="Arial" panose="020B0604020202020204" pitchFamily="34" charset="0"/>
-              <a:buChar char="•"/>
-              <a:defRPr sz="1800" kern="1200">
-                <a:solidFill>
-                  <a:schemeClr val="tx1"/>
-                </a:solidFill>
-                <a:latin typeface="+mn-lt"/>
-                <a:ea typeface="+mn-ea"/>
-                <a:cs typeface="+mn-cs"/>
-              </a:defRPr>
-            </a:lvl7pPr>
-            <a:lvl8pPr marL="3429000" indent="-228600" algn="l" defTabSz="914400" rtl="0" eaLnBrk="1" latinLnBrk="0" hangingPunct="1">
-              <a:lnSpc>
-                <a:spcPct val="90000"/>
-              </a:lnSpc>
-              <a:spcBef>
-                <a:spcPts val="500"/>
-              </a:spcBef>
-              <a:buFont typeface="Arial" panose="020B0604020202020204" pitchFamily="34" charset="0"/>
-              <a:buChar char="•"/>
-              <a:defRPr sz="1800" kern="1200">
-                <a:solidFill>
-                  <a:schemeClr val="tx1"/>
-                </a:solidFill>
-                <a:latin typeface="+mn-lt"/>
-                <a:ea typeface="+mn-ea"/>
-                <a:cs typeface="+mn-cs"/>
-              </a:defRPr>
-            </a:lvl8pPr>
-            <a:lvl9pPr marL="3886200" indent="-228600" algn="l" defTabSz="914400" rtl="0" eaLnBrk="1" latinLnBrk="0" hangingPunct="1">
-              <a:lnSpc>
-                <a:spcPct val="90000"/>
-              </a:lnSpc>
-              <a:spcBef>
-                <a:spcPts val="500"/>
-              </a:spcBef>
-              <a:buFont typeface="Arial" panose="020B0604020202020204" pitchFamily="34" charset="0"/>
-              <a:buChar char="•"/>
-              <a:defRPr sz="1800" kern="1200">
-                <a:solidFill>
-                  <a:schemeClr val="tx1"/>
-                </a:solidFill>
-                <a:latin typeface="+mn-lt"/>
-                <a:ea typeface="+mn-ea"/>
-                <a:cs typeface="+mn-cs"/>
-              </a:defRPr>
-            </a:lvl9pPr>
-          </a:lstStyle>
-          <a:p>
-            <a:fld id="{78048C4E-7BD1-46A5-B2F2-6AD408DAAD47}" type="slidenum">
-              <a:rPr lang="en-US" b="1" smtClean="0">
-                <a:solidFill>
-                  <a:schemeClr val="bg1"/>
-                </a:solidFill>
-              </a:rPr>
-              <a:pPr/>
-              <a:t>19</a:t>
-            </a:fld>
-            <a:endParaRPr lang="en-US" b="1" dirty="0">
-              <a:solidFill>
-                <a:schemeClr val="bg1"/>
-              </a:solidFill>
-            </a:endParaRPr>
-          </a:p>
-        </p:txBody>
-      </p:sp>
+        </p:spPr>
+      </p:pic>
     </p:spTree>
     <p:extLst>
       <p:ext uri="{BB962C8B-B14F-4D97-AF65-F5344CB8AC3E}">
-        <p14:creationId xmlns:p14="http://schemas.microsoft.com/office/powerpoint/2010/main" val="2925726837"/>
+        <p14:creationId xmlns:p14="http://schemas.microsoft.com/office/powerpoint/2010/main" val="28124857"/>
       </p:ext>
     </p:extLst>
   </p:cSld>
@@ -13637,8 +13249,8 @@
         </p:nvSpPr>
         <p:spPr>
           <a:xfrm>
-            <a:off x="446314" y="464401"/>
-            <a:ext cx="5170715" cy="590931"/>
+            <a:off x="446314" y="500215"/>
+            <a:ext cx="11174186" cy="590931"/>
           </a:xfrm>
         </p:spPr>
         <p:txBody>
@@ -13646,12 +13258,8 @@
           <a:lstStyle/>
           <a:p>
             <a:r>
-              <a:rPr lang="en-US" dirty="0"/>
-              <a:t>Issues Faced - </a:t>
-            </a:r>
-            <a:r>
               <a:rPr lang="en-US" dirty="0" smtClean="0"/>
-              <a:t>2</a:t>
+              <a:t>Automatically Trigger Pipeline on Code Commit</a:t>
             </a:r>
             <a:endParaRPr lang="en-US" dirty="0"/>
           </a:p>
@@ -13659,449 +13267,160 @@
       </p:sp>
       <p:sp>
         <p:nvSpPr>
-          <p:cNvPr id="17" name="Text Placeholder 16">
-            <a:extLst>
-              <a:ext uri="{FF2B5EF4-FFF2-40B4-BE49-F238E27FC236}">
-                <a16:creationId xmlns:a16="http://schemas.microsoft.com/office/drawing/2014/main" id="{BB40F080-6054-425B-9E1C-1DDC9260832D}"/>
-              </a:ext>
-            </a:extLst>
-          </p:cNvPr>
+          <p:cNvPr id="3" name="Content Placeholder 2"/>
           <p:cNvSpPr>
             <a:spLocks noGrp="1"/>
           </p:cNvSpPr>
           <p:nvPr>
-            <p:ph type="body" sz="quarter" idx="17"/>
+            <p:ph idx="1"/>
           </p:nvPr>
         </p:nvSpPr>
-        <p:spPr>
-          <a:xfrm>
-            <a:off x="508906" y="1192935"/>
-            <a:ext cx="5045529" cy="5541240"/>
-          </a:xfrm>
-        </p:spPr>
+        <p:spPr/>
         <p:txBody>
           <a:bodyPr/>
           <a:lstStyle/>
           <a:p>
-            <a:pPr marL="285750" indent="-285750">
-              <a:spcBef>
-                <a:spcPts val="1200"/>
-              </a:spcBef>
-              <a:buFont typeface="Arial" panose="020B0604020202020204" pitchFamily="34" charset="0"/>
-              <a:buChar char="•"/>
-            </a:pPr>
-            <a:r>
-              <a:rPr lang="en-US" dirty="0" smtClean="0"/>
-              <a:t>When </a:t>
-            </a:r>
-            <a:r>
-              <a:rPr lang="en-US" dirty="0"/>
-              <a:t>deploying v2 app, kubectl set </a:t>
-            </a:r>
-            <a:r>
-              <a:rPr lang="en-US" dirty="0" smtClean="0"/>
-              <a:t>image command </a:t>
-            </a:r>
-            <a:r>
-              <a:rPr lang="en-US" dirty="0"/>
-              <a:t>took very long time. I performed some </a:t>
-            </a:r>
-            <a:r>
-              <a:rPr lang="en-US" dirty="0" err="1"/>
-              <a:t>kubeclt</a:t>
-            </a:r>
-            <a:r>
-              <a:rPr lang="en-US" dirty="0"/>
-              <a:t> operation to restart or rescale, then kubectl started working as usual</a:t>
-            </a:r>
-          </a:p>
-          <a:p>
-            <a:pPr marL="285750" indent="-285750">
-              <a:spcBef>
-                <a:spcPts val="1200"/>
-              </a:spcBef>
-              <a:buFont typeface="Arial" panose="020B0604020202020204" pitchFamily="34" charset="0"/>
-              <a:buChar char="•"/>
-            </a:pPr>
-            <a:r>
-              <a:rPr lang="en-US" dirty="0"/>
-              <a:t>When creating Azure DevOps id, my outlook password didn't work. I have generate one from the DevOps portal</a:t>
-            </a:r>
-            <a:r>
-              <a:rPr lang="en-US" dirty="0" smtClean="0"/>
-              <a:t>. Seems this is an expected behavior</a:t>
-            </a:r>
-          </a:p>
-          <a:p>
-            <a:pPr marL="285750" indent="-285750">
-              <a:spcBef>
-                <a:spcPts val="1200"/>
-              </a:spcBef>
-              <a:buFont typeface="Arial" panose="020B0604020202020204" pitchFamily="34" charset="0"/>
-              <a:buChar char="•"/>
-            </a:pPr>
-            <a:r>
-              <a:rPr lang="en-US" dirty="0" smtClean="0"/>
-              <a:t>As kubectl command was hanging more often, I stopped the AKS. It took so much time and effort to start the AKS again, as I need to go through different steps to ensure that it is started finally. </a:t>
-            </a:r>
-            <a:r>
-              <a:rPr lang="en-US" dirty="0" err="1" smtClean="0"/>
-              <a:t>Eg</a:t>
-            </a:r>
-            <a:r>
-              <a:rPr lang="en-US" dirty="0" smtClean="0"/>
-              <a:t>:- Disabled autoscaler, </a:t>
-            </a:r>
-          </a:p>
-          <a:p>
-            <a:pPr marL="285750" indent="-285750">
-              <a:spcBef>
-                <a:spcPts val="1200"/>
-              </a:spcBef>
-              <a:buFont typeface="Arial" panose="020B0604020202020204" pitchFamily="34" charset="0"/>
-              <a:buChar char="•"/>
-            </a:pPr>
-            <a:r>
-              <a:rPr lang="en-US" dirty="0" smtClean="0"/>
-              <a:t>Unable to update the </a:t>
-            </a:r>
-            <a:r>
-              <a:rPr lang="en-US" dirty="0" err="1" smtClean="0"/>
-              <a:t>kubernets</a:t>
-            </a:r>
-            <a:endParaRPr lang="en-US" dirty="0" smtClean="0"/>
-          </a:p>
-          <a:p>
-            <a:pPr marL="285750" indent="-285750">
-              <a:spcBef>
-                <a:spcPts val="1200"/>
-              </a:spcBef>
-              <a:buFont typeface="Arial" panose="020B0604020202020204" pitchFamily="34" charset="0"/>
-              <a:buChar char="•"/>
-            </a:pPr>
             <a:endParaRPr lang="en-US" dirty="0"/>
           </a:p>
         </p:txBody>
       </p:sp>
       <p:pic>
         <p:nvPicPr>
-          <p:cNvPr id="23" name="Picture Placeholder 22" descr="Right side image placeholder">
-            <a:extLst>
-              <a:ext uri="{FF2B5EF4-FFF2-40B4-BE49-F238E27FC236}">
-                <a16:creationId xmlns:a16="http://schemas.microsoft.com/office/drawing/2014/main" id="{DC389449-072E-4155-BA3B-C45AA950BF24}"/>
-              </a:ext>
-            </a:extLst>
-          </p:cNvPr>
-          <p:cNvPicPr>
-            <a:picLocks noGrp="1" noChangeAspect="1"/>
-          </p:cNvPicPr>
-          <p:nvPr>
-            <p:ph type="pic" sz="quarter" idx="13"/>
-          </p:nvPr>
+          <p:cNvPr id="12" name="Picture 11"/>
+          <p:cNvPicPr/>
+          <p:nvPr/>
         </p:nvPicPr>
         <p:blipFill>
-          <a:blip r:embed="rId2">
-            <a:extLst>
-              <a:ext uri="{28A0092B-C50C-407E-A947-70E740481C1C}">
-                <a14:useLocalDpi xmlns:a14="http://schemas.microsoft.com/office/drawing/2010/main" val="0"/>
-              </a:ext>
-            </a:extLst>
-          </a:blip>
-          <a:srcRect/>
+          <a:blip r:embed="rId2"/>
           <a:stretch>
             <a:fillRect/>
           </a:stretch>
         </p:blipFill>
-        <p:spPr/>
-      </p:pic>
-      <p:sp>
-        <p:nvSpPr>
-          <p:cNvPr id="7" name="Rectangle 6">
-            <a:extLst>
-              <a:ext uri="{FF2B5EF4-FFF2-40B4-BE49-F238E27FC236}">
-                <a16:creationId xmlns:a16="http://schemas.microsoft.com/office/drawing/2014/main" id="{61E397FF-5106-4C31-8E91-796AEA20258E}"/>
-              </a:ext>
-              <a:ext uri="{C183D7F6-B498-43B3-948B-1728B52AA6E4}">
-                <adec:decorative xmlns:adec="http://schemas.microsoft.com/office/drawing/2017/decorative" xmlns="" val="1"/>
-              </a:ext>
-            </a:extLst>
-          </p:cNvPr>
-          <p:cNvSpPr/>
-          <p:nvPr/>
-        </p:nvSpPr>
-        <p:spPr>
-          <a:xfrm>
-            <a:off x="11360016" y="6369050"/>
-            <a:ext cx="335909" cy="488950"/>
+        <p:spPr>
+          <a:xfrm>
+            <a:off x="678997" y="1567061"/>
+            <a:ext cx="2647950" cy="1266825"/>
           </a:xfrm>
           <a:prstGeom prst="rect">
             <a:avLst/>
           </a:prstGeom>
-          <a:solidFill>
-            <a:schemeClr val="bg2">
-              <a:lumMod val="85000"/>
-            </a:schemeClr>
-          </a:solidFill>
-          <a:ln>
-            <a:noFill/>
-          </a:ln>
-        </p:spPr>
-        <p:style>
-          <a:lnRef idx="2">
-            <a:schemeClr val="accent1">
-              <a:shade val="50000"/>
-            </a:schemeClr>
-          </a:lnRef>
-          <a:fillRef idx="1">
-            <a:schemeClr val="accent1"/>
-          </a:fillRef>
-          <a:effectRef idx="0">
-            <a:schemeClr val="accent1"/>
-          </a:effectRef>
-          <a:fontRef idx="minor">
-            <a:schemeClr val="lt1"/>
-          </a:fontRef>
-        </p:style>
-        <p:txBody>
-          <a:bodyPr rot="0" spcFirstLastPara="0" vertOverflow="overflow" horzOverflow="overflow" vert="horz" wrap="square" lIns="91440" tIns="45720" rIns="91440" bIns="45720" numCol="1" spcCol="0" rtlCol="0" fromWordArt="0" anchor="ctr" anchorCtr="0" forceAA="0" compatLnSpc="1">
-            <a:prstTxWarp prst="textNoShape">
-              <a:avLst/>
-            </a:prstTxWarp>
-            <a:noAutofit/>
-          </a:bodyPr>
-          <a:lstStyle/>
-          <a:p>
-            <a:pPr algn="ctr"/>
-            <a:endParaRPr lang="en-US" dirty="0">
-              <a:solidFill>
-                <a:schemeClr val="tx1"/>
-              </a:solidFill>
-            </a:endParaRPr>
-          </a:p>
-        </p:txBody>
-      </p:sp>
-      <p:sp>
-        <p:nvSpPr>
-          <p:cNvPr id="8" name="Slide Number Placeholder 5">
-            <a:extLst>
-              <a:ext uri="{FF2B5EF4-FFF2-40B4-BE49-F238E27FC236}">
-                <a16:creationId xmlns:a16="http://schemas.microsoft.com/office/drawing/2014/main" id="{D7DDE5B7-93F1-4010-85B1-8F63FD5044C7}"/>
-              </a:ext>
-            </a:extLst>
-          </p:cNvPr>
-          <p:cNvSpPr txBox="1">
-            <a:spLocks/>
-          </p:cNvSpPr>
+        </p:spPr>
+      </p:pic>
+      <p:pic>
+        <p:nvPicPr>
+          <p:cNvPr id="13" name="Picture 12"/>
+          <p:cNvPicPr/>
           <p:nvPr/>
-        </p:nvSpPr>
-        <p:spPr>
-          <a:xfrm>
-            <a:off x="11360016" y="6369050"/>
-            <a:ext cx="335909" cy="365125"/>
+        </p:nvPicPr>
+        <p:blipFill>
+          <a:blip r:embed="rId3"/>
+          <a:stretch>
+            <a:fillRect/>
+          </a:stretch>
+        </p:blipFill>
+        <p:spPr>
+          <a:xfrm>
+            <a:off x="3788093" y="1567062"/>
+            <a:ext cx="5943600" cy="1803156"/>
           </a:xfrm>
           <a:prstGeom prst="rect">
             <a:avLst/>
           </a:prstGeom>
-          <a:solidFill>
-            <a:schemeClr val="accent2"/>
-          </a:solidFill>
-        </p:spPr>
-        <p:txBody>
-          <a:bodyPr vert="horz" lIns="0" tIns="45720" rIns="0" bIns="45720" rtlCol="0" anchor="ctr">
-            <a:normAutofit/>
-          </a:bodyPr>
-          <a:lstStyle>
-            <a:lvl1pPr marL="0" indent="0" algn="ctr" defTabSz="914400" rtl="0" eaLnBrk="1" latinLnBrk="0" hangingPunct="1">
-              <a:lnSpc>
-                <a:spcPct val="90000"/>
-              </a:lnSpc>
-              <a:spcBef>
-                <a:spcPts val="1000"/>
-              </a:spcBef>
-              <a:buFont typeface="Arial" panose="020B0604020202020204" pitchFamily="34" charset="0"/>
-              <a:buNone/>
-              <a:defRPr sz="1000" b="0" kern="1200">
-                <a:solidFill>
-                  <a:srgbClr val="01C6FD"/>
-                </a:solidFill>
-                <a:latin typeface="+mn-lt"/>
-                <a:ea typeface="+mn-ea"/>
-                <a:cs typeface="+mn-cs"/>
-              </a:defRPr>
-            </a:lvl1pPr>
-            <a:lvl2pPr marL="685800" indent="-228600" algn="l" defTabSz="914400" rtl="0" eaLnBrk="1" latinLnBrk="0" hangingPunct="1">
-              <a:lnSpc>
-                <a:spcPct val="90000"/>
-              </a:lnSpc>
-              <a:spcBef>
-                <a:spcPts val="500"/>
-              </a:spcBef>
-              <a:buFont typeface="Arial" panose="020B0604020202020204" pitchFamily="34" charset="0"/>
-              <a:buChar char="•"/>
-              <a:defRPr sz="2400" b="0" kern="1200">
-                <a:solidFill>
-                  <a:schemeClr val="tx1"/>
-                </a:solidFill>
-                <a:latin typeface="+mn-lt"/>
-                <a:ea typeface="+mn-ea"/>
-                <a:cs typeface="+mn-cs"/>
-              </a:defRPr>
-            </a:lvl2pPr>
-            <a:lvl3pPr marL="1143000" indent="-228600" algn="l" defTabSz="914400" rtl="0" eaLnBrk="1" latinLnBrk="0" hangingPunct="1">
-              <a:lnSpc>
-                <a:spcPct val="90000"/>
-              </a:lnSpc>
-              <a:spcBef>
-                <a:spcPts val="500"/>
-              </a:spcBef>
-              <a:buFont typeface="Arial" panose="020B0604020202020204" pitchFamily="34" charset="0"/>
-              <a:buChar char="•"/>
-              <a:defRPr sz="2000" b="0" kern="1200">
-                <a:solidFill>
-                  <a:schemeClr val="tx1"/>
-                </a:solidFill>
-                <a:latin typeface="+mn-lt"/>
-                <a:ea typeface="+mn-ea"/>
-                <a:cs typeface="+mn-cs"/>
-              </a:defRPr>
-            </a:lvl3pPr>
-            <a:lvl4pPr marL="1600200" indent="-228600" algn="l" defTabSz="914400" rtl="0" eaLnBrk="1" latinLnBrk="0" hangingPunct="1">
-              <a:lnSpc>
-                <a:spcPct val="90000"/>
-              </a:lnSpc>
-              <a:spcBef>
-                <a:spcPts val="500"/>
-              </a:spcBef>
-              <a:buFont typeface="Arial" panose="020B0604020202020204" pitchFamily="34" charset="0"/>
-              <a:buChar char="•"/>
-              <a:defRPr sz="1800" b="0" kern="1200">
-                <a:solidFill>
-                  <a:schemeClr val="tx1"/>
-                </a:solidFill>
-                <a:latin typeface="+mn-lt"/>
-                <a:ea typeface="+mn-ea"/>
-                <a:cs typeface="+mn-cs"/>
-              </a:defRPr>
-            </a:lvl4pPr>
-            <a:lvl5pPr marL="2057400" indent="-228600" algn="l" defTabSz="914400" rtl="0" eaLnBrk="1" latinLnBrk="0" hangingPunct="1">
-              <a:lnSpc>
-                <a:spcPct val="90000"/>
-              </a:lnSpc>
-              <a:spcBef>
-                <a:spcPts val="500"/>
-              </a:spcBef>
-              <a:buFont typeface="Arial" panose="020B0604020202020204" pitchFamily="34" charset="0"/>
-              <a:buChar char="•"/>
-              <a:defRPr sz="1800" b="0" kern="1200">
-                <a:solidFill>
-                  <a:schemeClr val="tx1"/>
-                </a:solidFill>
-                <a:latin typeface="+mn-lt"/>
-                <a:ea typeface="+mn-ea"/>
-                <a:cs typeface="+mn-cs"/>
-              </a:defRPr>
-            </a:lvl5pPr>
-            <a:lvl6pPr marL="2514600" indent="-228600" algn="l" defTabSz="914400" rtl="0" eaLnBrk="1" latinLnBrk="0" hangingPunct="1">
-              <a:lnSpc>
-                <a:spcPct val="90000"/>
-              </a:lnSpc>
-              <a:spcBef>
-                <a:spcPts val="500"/>
-              </a:spcBef>
-              <a:buFont typeface="Arial" panose="020B0604020202020204" pitchFamily="34" charset="0"/>
-              <a:buChar char="•"/>
-              <a:defRPr sz="1800" kern="1200">
-                <a:solidFill>
-                  <a:schemeClr val="tx1"/>
-                </a:solidFill>
-                <a:latin typeface="+mn-lt"/>
-                <a:ea typeface="+mn-ea"/>
-                <a:cs typeface="+mn-cs"/>
-              </a:defRPr>
-            </a:lvl6pPr>
-            <a:lvl7pPr marL="2971800" indent="-228600" algn="l" defTabSz="914400" rtl="0" eaLnBrk="1" latinLnBrk="0" hangingPunct="1">
-              <a:lnSpc>
-                <a:spcPct val="90000"/>
-              </a:lnSpc>
-              <a:spcBef>
-                <a:spcPts val="500"/>
-              </a:spcBef>
-              <a:buFont typeface="Arial" panose="020B0604020202020204" pitchFamily="34" charset="0"/>
-              <a:buChar char="•"/>
-              <a:defRPr sz="1800" kern="1200">
-                <a:solidFill>
-                  <a:schemeClr val="tx1"/>
-                </a:solidFill>
-                <a:latin typeface="+mn-lt"/>
-                <a:ea typeface="+mn-ea"/>
-                <a:cs typeface="+mn-cs"/>
-              </a:defRPr>
-            </a:lvl7pPr>
-            <a:lvl8pPr marL="3429000" indent="-228600" algn="l" defTabSz="914400" rtl="0" eaLnBrk="1" latinLnBrk="0" hangingPunct="1">
-              <a:lnSpc>
-                <a:spcPct val="90000"/>
-              </a:lnSpc>
-              <a:spcBef>
-                <a:spcPts val="500"/>
-              </a:spcBef>
-              <a:buFont typeface="Arial" panose="020B0604020202020204" pitchFamily="34" charset="0"/>
-              <a:buChar char="•"/>
-              <a:defRPr sz="1800" kern="1200">
-                <a:solidFill>
-                  <a:schemeClr val="tx1"/>
-                </a:solidFill>
-                <a:latin typeface="+mn-lt"/>
-                <a:ea typeface="+mn-ea"/>
-                <a:cs typeface="+mn-cs"/>
-              </a:defRPr>
-            </a:lvl8pPr>
-            <a:lvl9pPr marL="3886200" indent="-228600" algn="l" defTabSz="914400" rtl="0" eaLnBrk="1" latinLnBrk="0" hangingPunct="1">
-              <a:lnSpc>
-                <a:spcPct val="90000"/>
-              </a:lnSpc>
-              <a:spcBef>
-                <a:spcPts val="500"/>
-              </a:spcBef>
-              <a:buFont typeface="Arial" panose="020B0604020202020204" pitchFamily="34" charset="0"/>
-              <a:buChar char="•"/>
-              <a:defRPr sz="1800" kern="1200">
-                <a:solidFill>
-                  <a:schemeClr val="tx1"/>
-                </a:solidFill>
-                <a:latin typeface="+mn-lt"/>
-                <a:ea typeface="+mn-ea"/>
-                <a:cs typeface="+mn-cs"/>
-              </a:defRPr>
-            </a:lvl9pPr>
-          </a:lstStyle>
-          <a:p>
-            <a:fld id="{78048C4E-7BD1-46A5-B2F2-6AD408DAAD47}" type="slidenum">
-              <a:rPr lang="en-US" b="1" smtClean="0">
-                <a:solidFill>
-                  <a:schemeClr val="bg1"/>
-                </a:solidFill>
-              </a:rPr>
-              <a:pPr/>
-              <a:t>20</a:t>
-            </a:fld>
-            <a:endParaRPr lang="en-US" b="1" dirty="0">
-              <a:solidFill>
-                <a:schemeClr val="bg1"/>
-              </a:solidFill>
-            </a:endParaRPr>
-          </a:p>
-        </p:txBody>
-      </p:sp>
+        </p:spPr>
+      </p:pic>
+      <p:pic>
+        <p:nvPicPr>
+          <p:cNvPr id="14" name="Picture 13"/>
+          <p:cNvPicPr/>
+          <p:nvPr/>
+        </p:nvPicPr>
+        <p:blipFill>
+          <a:blip r:embed="rId4"/>
+          <a:stretch>
+            <a:fillRect/>
+          </a:stretch>
+        </p:blipFill>
+        <p:spPr>
+          <a:xfrm>
+            <a:off x="678997" y="3594346"/>
+            <a:ext cx="5943600" cy="939165"/>
+          </a:xfrm>
+          <a:prstGeom prst="rect">
+            <a:avLst/>
+          </a:prstGeom>
+          <a:ln>
+            <a:solidFill>
+              <a:schemeClr val="accent1"/>
+            </a:solidFill>
+          </a:ln>
+        </p:spPr>
+      </p:pic>
+      <p:pic>
+        <p:nvPicPr>
+          <p:cNvPr id="15" name="Picture 14"/>
+          <p:cNvPicPr/>
+          <p:nvPr/>
+        </p:nvPicPr>
+        <p:blipFill>
+          <a:blip r:embed="rId5"/>
+          <a:stretch>
+            <a:fillRect/>
+          </a:stretch>
+        </p:blipFill>
+        <p:spPr>
+          <a:xfrm>
+            <a:off x="678997" y="4633161"/>
+            <a:ext cx="5943600" cy="1736725"/>
+          </a:xfrm>
+          <a:prstGeom prst="rect">
+            <a:avLst/>
+          </a:prstGeom>
+          <a:ln>
+            <a:solidFill>
+              <a:schemeClr val="accent1"/>
+            </a:solidFill>
+          </a:ln>
+        </p:spPr>
+      </p:pic>
+      <p:pic>
+        <p:nvPicPr>
+          <p:cNvPr id="16" name="Picture 15"/>
+          <p:cNvPicPr/>
+          <p:nvPr/>
+        </p:nvPicPr>
+        <p:blipFill>
+          <a:blip r:embed="rId6"/>
+          <a:stretch>
+            <a:fillRect/>
+          </a:stretch>
+        </p:blipFill>
+        <p:spPr>
+          <a:xfrm>
+            <a:off x="5963194" y="4293213"/>
+            <a:ext cx="5943600" cy="1939925"/>
+          </a:xfrm>
+          <a:prstGeom prst="rect">
+            <a:avLst/>
+          </a:prstGeom>
+        </p:spPr>
+      </p:pic>
     </p:spTree>
     <p:extLst>
       <p:ext uri="{BB962C8B-B14F-4D97-AF65-F5344CB8AC3E}">
-        <p14:creationId xmlns:p14="http://schemas.microsoft.com/office/powerpoint/2010/main" val="3961862166"/>
+        <p14:creationId xmlns:p14="http://schemas.microsoft.com/office/powerpoint/2010/main" val="1883407817"/>
       </p:ext>
     </p:extLst>
   </p:cSld>
   <p:clrMapOvr>
     <a:masterClrMapping/>
   </p:clrMapOvr>
+  <p:timing>
+    <p:tnLst>
+      <p:par>
+        <p:cTn id="1" dur="indefinite" restart="never" nodeType="tmRoot"/>
+      </p:par>
+    </p:tnLst>
+  </p:timing>
 </p:sld>
 </file>
 
@@ -14140,8 +13459,8 @@
         </p:nvSpPr>
         <p:spPr>
           <a:xfrm>
-            <a:off x="446313" y="342481"/>
-            <a:ext cx="5170715" cy="590931"/>
+            <a:off x="446314" y="500215"/>
+            <a:ext cx="11174186" cy="590931"/>
           </a:xfrm>
         </p:spPr>
         <p:txBody>
@@ -14150,7 +13469,7 @@
           <a:p>
             <a:r>
               <a:rPr lang="en-US" dirty="0" smtClean="0"/>
-              <a:t>Queries</a:t>
+              <a:t>Kubectl configurations</a:t>
             </a:r>
             <a:endParaRPr lang="en-US" dirty="0"/>
           </a:p>
@@ -14158,424 +13477,75 @@
       </p:sp>
       <p:sp>
         <p:nvSpPr>
-          <p:cNvPr id="17" name="Text Placeholder 16">
-            <a:extLst>
-              <a:ext uri="{FF2B5EF4-FFF2-40B4-BE49-F238E27FC236}">
-                <a16:creationId xmlns:a16="http://schemas.microsoft.com/office/drawing/2014/main" id="{BB40F080-6054-425B-9E1C-1DDC9260832D}"/>
-              </a:ext>
-            </a:extLst>
-          </p:cNvPr>
+          <p:cNvPr id="3" name="Content Placeholder 2"/>
           <p:cNvSpPr>
             <a:spLocks noGrp="1"/>
           </p:cNvSpPr>
           <p:nvPr>
-            <p:ph type="body" sz="quarter" idx="17"/>
+            <p:ph idx="1"/>
           </p:nvPr>
         </p:nvSpPr>
-        <p:spPr>
-          <a:xfrm>
-            <a:off x="508905" y="1018764"/>
-            <a:ext cx="5569678" cy="5625876"/>
-          </a:xfrm>
-        </p:spPr>
+        <p:spPr/>
         <p:txBody>
           <a:bodyPr/>
           <a:lstStyle/>
           <a:p>
-            <a:pPr marL="285750" indent="-285750">
-              <a:buFont typeface="Arial" panose="020B0604020202020204" pitchFamily="34" charset="0"/>
-              <a:buChar char="•"/>
-            </a:pPr>
-            <a:r>
-              <a:rPr lang="en-US" dirty="0" smtClean="0"/>
-              <a:t>When </a:t>
-            </a:r>
-            <a:r>
-              <a:rPr lang="en-US" dirty="0"/>
-              <a:t>not using the cluster stop the Virtual machine scale set to save on costs. ??</a:t>
-            </a:r>
-          </a:p>
-          <a:p>
-            <a:pPr marL="285750" indent="-285750">
-              <a:buFont typeface="Arial" panose="020B0604020202020204" pitchFamily="34" charset="0"/>
-              <a:buChar char="•"/>
-            </a:pPr>
-            <a:r>
-              <a:rPr lang="en-US" dirty="0"/>
-              <a:t>The applications created using DevOps pipeline is not working on external </a:t>
-            </a:r>
-            <a:r>
-              <a:rPr lang="en-US" dirty="0" smtClean="0"/>
-              <a:t>IP</a:t>
-            </a:r>
-          </a:p>
-          <a:p>
-            <a:pPr marL="285750" indent="-285750">
-              <a:buFont typeface="Arial" panose="020B0604020202020204" pitchFamily="34" charset="0"/>
-              <a:buChar char="•"/>
-            </a:pPr>
-            <a:r>
-              <a:rPr lang="en-US" dirty="0" smtClean="0"/>
-              <a:t>When </a:t>
-            </a:r>
-            <a:r>
-              <a:rPr lang="en-US" dirty="0"/>
-              <a:t>pods are scaled using </a:t>
-            </a:r>
-            <a:r>
-              <a:rPr lang="en-US" dirty="0" err="1"/>
-              <a:t>horizontalAutoscale</a:t>
-            </a:r>
-            <a:r>
-              <a:rPr lang="en-US" dirty="0"/>
-              <a:t> yaml configurations, I noticed that the data is not in sync across the </a:t>
-            </a:r>
-            <a:r>
-              <a:rPr lang="en-US" dirty="0" smtClean="0"/>
-              <a:t>pods. Means for every refresh of the page, I got different values. Means I got for Cat-DOG, once 23-24 and 6-9.</a:t>
-            </a:r>
             <a:endParaRPr lang="en-US" dirty="0"/>
-          </a:p>
-          <a:p>
-            <a:pPr marL="285750" indent="-285750">
-              <a:buFont typeface="Arial" panose="020B0604020202020204" pitchFamily="34" charset="0"/>
-              <a:buChar char="•"/>
-            </a:pPr>
-            <a:r>
-              <a:rPr lang="en-US" dirty="0" smtClean="0"/>
-              <a:t>More often kubectl commands was hanging, not sure why</a:t>
-            </a:r>
-          </a:p>
-          <a:p>
-            <a:pPr marL="285750" indent="-285750">
-              <a:buFont typeface="Arial" panose="020B0604020202020204" pitchFamily="34" charset="0"/>
-              <a:buChar char="•"/>
-            </a:pPr>
-            <a:r>
-              <a:rPr lang="en-US" dirty="0" smtClean="0"/>
-              <a:t>Not able to upgrade the k8s version from 17 to 18</a:t>
-            </a:r>
-            <a:r>
-              <a:rPr lang="en-US" dirty="0" smtClean="0"/>
-              <a:t>.</a:t>
-            </a:r>
-            <a:endParaRPr lang="en-US" dirty="0" smtClean="0"/>
           </a:p>
         </p:txBody>
       </p:sp>
       <p:pic>
         <p:nvPicPr>
-          <p:cNvPr id="23" name="Picture Placeholder 22" descr="Right side image placeholder">
-            <a:extLst>
-              <a:ext uri="{FF2B5EF4-FFF2-40B4-BE49-F238E27FC236}">
-                <a16:creationId xmlns:a16="http://schemas.microsoft.com/office/drawing/2014/main" id="{DC389449-072E-4155-BA3B-C45AA950BF24}"/>
-              </a:ext>
-            </a:extLst>
-          </p:cNvPr>
+          <p:cNvPr id="5" name="Picture 4"/>
           <p:cNvPicPr>
-            <a:picLocks noGrp="1" noChangeAspect="1"/>
+            <a:picLocks noChangeAspect="1"/>
           </p:cNvPicPr>
-          <p:nvPr>
-            <p:ph type="pic" sz="quarter" idx="13"/>
-          </p:nvPr>
+          <p:nvPr/>
         </p:nvPicPr>
         <p:blipFill>
-          <a:blip r:embed="rId2">
-            <a:extLst>
-              <a:ext uri="{28A0092B-C50C-407E-A947-70E740481C1C}">
-                <a14:useLocalDpi xmlns:a14="http://schemas.microsoft.com/office/drawing/2010/main" val="0"/>
-              </a:ext>
-            </a:extLst>
-          </a:blip>
-          <a:srcRect/>
+          <a:blip r:embed="rId2"/>
           <a:stretch>
             <a:fillRect/>
           </a:stretch>
         </p:blipFill>
-        <p:spPr/>
-      </p:pic>
-      <p:sp>
-        <p:nvSpPr>
-          <p:cNvPr id="7" name="Rectangle 6">
-            <a:extLst>
-              <a:ext uri="{FF2B5EF4-FFF2-40B4-BE49-F238E27FC236}">
-                <a16:creationId xmlns:a16="http://schemas.microsoft.com/office/drawing/2014/main" id="{61E397FF-5106-4C31-8E91-796AEA20258E}"/>
-              </a:ext>
-              <a:ext uri="{C183D7F6-B498-43B3-948B-1728B52AA6E4}">
-                <adec:decorative xmlns="" xmlns:adec="http://schemas.microsoft.com/office/drawing/2017/decorative" val="1"/>
-              </a:ext>
-            </a:extLst>
-          </p:cNvPr>
-          <p:cNvSpPr/>
-          <p:nvPr/>
-        </p:nvSpPr>
-        <p:spPr>
-          <a:xfrm>
-            <a:off x="11360016" y="6369050"/>
-            <a:ext cx="335909" cy="488950"/>
+        <p:spPr>
+          <a:xfrm>
+            <a:off x="5855353" y="338565"/>
+            <a:ext cx="6200775" cy="5894573"/>
           </a:xfrm>
           <a:prstGeom prst="rect">
             <a:avLst/>
           </a:prstGeom>
-          <a:solidFill>
-            <a:schemeClr val="bg2">
-              <a:lumMod val="85000"/>
-            </a:schemeClr>
-          </a:solidFill>
-          <a:ln>
-            <a:noFill/>
-          </a:ln>
-        </p:spPr>
-        <p:style>
-          <a:lnRef idx="2">
-            <a:schemeClr val="accent1">
-              <a:shade val="50000"/>
-            </a:schemeClr>
-          </a:lnRef>
-          <a:fillRef idx="1">
-            <a:schemeClr val="accent1"/>
-          </a:fillRef>
-          <a:effectRef idx="0">
-            <a:schemeClr val="accent1"/>
-          </a:effectRef>
-          <a:fontRef idx="minor">
-            <a:schemeClr val="lt1"/>
-          </a:fontRef>
-        </p:style>
-        <p:txBody>
-          <a:bodyPr rot="0" spcFirstLastPara="0" vertOverflow="overflow" horzOverflow="overflow" vert="horz" wrap="square" lIns="91440" tIns="45720" rIns="91440" bIns="45720" numCol="1" spcCol="0" rtlCol="0" fromWordArt="0" anchor="ctr" anchorCtr="0" forceAA="0" compatLnSpc="1">
-            <a:prstTxWarp prst="textNoShape">
-              <a:avLst/>
-            </a:prstTxWarp>
-            <a:noAutofit/>
-          </a:bodyPr>
-          <a:lstStyle/>
-          <a:p>
-            <a:pPr algn="ctr"/>
-            <a:endParaRPr lang="en-US" dirty="0">
-              <a:solidFill>
-                <a:schemeClr val="tx1"/>
-              </a:solidFill>
-            </a:endParaRPr>
-          </a:p>
-        </p:txBody>
-      </p:sp>
-      <p:sp>
-        <p:nvSpPr>
-          <p:cNvPr id="8" name="Slide Number Placeholder 5">
-            <a:extLst>
-              <a:ext uri="{FF2B5EF4-FFF2-40B4-BE49-F238E27FC236}">
-                <a16:creationId xmlns:a16="http://schemas.microsoft.com/office/drawing/2014/main" id="{D7DDE5B7-93F1-4010-85B1-8F63FD5044C7}"/>
-              </a:ext>
-            </a:extLst>
-          </p:cNvPr>
-          <p:cNvSpPr txBox="1">
-            <a:spLocks/>
-          </p:cNvSpPr>
+        </p:spPr>
+      </p:pic>
+      <p:pic>
+        <p:nvPicPr>
+          <p:cNvPr id="6" name="Picture 5"/>
+          <p:cNvPicPr>
+            <a:picLocks noChangeAspect="1"/>
+          </p:cNvPicPr>
           <p:nvPr/>
-        </p:nvSpPr>
-        <p:spPr>
-          <a:xfrm>
-            <a:off x="11360016" y="6369050"/>
-            <a:ext cx="335909" cy="365125"/>
+        </p:nvPicPr>
+        <p:blipFill>
+          <a:blip r:embed="rId3"/>
+          <a:stretch>
+            <a:fillRect/>
+          </a:stretch>
+        </p:blipFill>
+        <p:spPr>
+          <a:xfrm>
+            <a:off x="371194" y="1198227"/>
+            <a:ext cx="4905375" cy="5514975"/>
           </a:xfrm>
           <a:prstGeom prst="rect">
             <a:avLst/>
           </a:prstGeom>
-          <a:solidFill>
-            <a:schemeClr val="accent2"/>
-          </a:solidFill>
-        </p:spPr>
-        <p:txBody>
-          <a:bodyPr vert="horz" lIns="0" tIns="45720" rIns="0" bIns="45720" rtlCol="0" anchor="ctr">
-            <a:normAutofit/>
-          </a:bodyPr>
-          <a:lstStyle>
-            <a:lvl1pPr marL="0" indent="0" algn="ctr" defTabSz="914400" rtl="0" eaLnBrk="1" latinLnBrk="0" hangingPunct="1">
-              <a:lnSpc>
-                <a:spcPct val="90000"/>
-              </a:lnSpc>
-              <a:spcBef>
-                <a:spcPts val="1000"/>
-              </a:spcBef>
-              <a:buFont typeface="Arial" panose="020B0604020202020204" pitchFamily="34" charset="0"/>
-              <a:buNone/>
-              <a:defRPr sz="1000" b="0" kern="1200">
-                <a:solidFill>
-                  <a:srgbClr val="01C6FD"/>
-                </a:solidFill>
-                <a:latin typeface="+mn-lt"/>
-                <a:ea typeface="+mn-ea"/>
-                <a:cs typeface="+mn-cs"/>
-              </a:defRPr>
-            </a:lvl1pPr>
-            <a:lvl2pPr marL="685800" indent="-228600" algn="l" defTabSz="914400" rtl="0" eaLnBrk="1" latinLnBrk="0" hangingPunct="1">
-              <a:lnSpc>
-                <a:spcPct val="90000"/>
-              </a:lnSpc>
-              <a:spcBef>
-                <a:spcPts val="500"/>
-              </a:spcBef>
-              <a:buFont typeface="Arial" panose="020B0604020202020204" pitchFamily="34" charset="0"/>
-              <a:buChar char="•"/>
-              <a:defRPr sz="2400" b="0" kern="1200">
-                <a:solidFill>
-                  <a:schemeClr val="tx1"/>
-                </a:solidFill>
-                <a:latin typeface="+mn-lt"/>
-                <a:ea typeface="+mn-ea"/>
-                <a:cs typeface="+mn-cs"/>
-              </a:defRPr>
-            </a:lvl2pPr>
-            <a:lvl3pPr marL="1143000" indent="-228600" algn="l" defTabSz="914400" rtl="0" eaLnBrk="1" latinLnBrk="0" hangingPunct="1">
-              <a:lnSpc>
-                <a:spcPct val="90000"/>
-              </a:lnSpc>
-              <a:spcBef>
-                <a:spcPts val="500"/>
-              </a:spcBef>
-              <a:buFont typeface="Arial" panose="020B0604020202020204" pitchFamily="34" charset="0"/>
-              <a:buChar char="•"/>
-              <a:defRPr sz="2000" b="0" kern="1200">
-                <a:solidFill>
-                  <a:schemeClr val="tx1"/>
-                </a:solidFill>
-                <a:latin typeface="+mn-lt"/>
-                <a:ea typeface="+mn-ea"/>
-                <a:cs typeface="+mn-cs"/>
-              </a:defRPr>
-            </a:lvl3pPr>
-            <a:lvl4pPr marL="1600200" indent="-228600" algn="l" defTabSz="914400" rtl="0" eaLnBrk="1" latinLnBrk="0" hangingPunct="1">
-              <a:lnSpc>
-                <a:spcPct val="90000"/>
-              </a:lnSpc>
-              <a:spcBef>
-                <a:spcPts val="500"/>
-              </a:spcBef>
-              <a:buFont typeface="Arial" panose="020B0604020202020204" pitchFamily="34" charset="0"/>
-              <a:buChar char="•"/>
-              <a:defRPr sz="1800" b="0" kern="1200">
-                <a:solidFill>
-                  <a:schemeClr val="tx1"/>
-                </a:solidFill>
-                <a:latin typeface="+mn-lt"/>
-                <a:ea typeface="+mn-ea"/>
-                <a:cs typeface="+mn-cs"/>
-              </a:defRPr>
-            </a:lvl4pPr>
-            <a:lvl5pPr marL="2057400" indent="-228600" algn="l" defTabSz="914400" rtl="0" eaLnBrk="1" latinLnBrk="0" hangingPunct="1">
-              <a:lnSpc>
-                <a:spcPct val="90000"/>
-              </a:lnSpc>
-              <a:spcBef>
-                <a:spcPts val="500"/>
-              </a:spcBef>
-              <a:buFont typeface="Arial" panose="020B0604020202020204" pitchFamily="34" charset="0"/>
-              <a:buChar char="•"/>
-              <a:defRPr sz="1800" b="0" kern="1200">
-                <a:solidFill>
-                  <a:schemeClr val="tx1"/>
-                </a:solidFill>
-                <a:latin typeface="+mn-lt"/>
-                <a:ea typeface="+mn-ea"/>
-                <a:cs typeface="+mn-cs"/>
-              </a:defRPr>
-            </a:lvl5pPr>
-            <a:lvl6pPr marL="2514600" indent="-228600" algn="l" defTabSz="914400" rtl="0" eaLnBrk="1" latinLnBrk="0" hangingPunct="1">
-              <a:lnSpc>
-                <a:spcPct val="90000"/>
-              </a:lnSpc>
-              <a:spcBef>
-                <a:spcPts val="500"/>
-              </a:spcBef>
-              <a:buFont typeface="Arial" panose="020B0604020202020204" pitchFamily="34" charset="0"/>
-              <a:buChar char="•"/>
-              <a:defRPr sz="1800" kern="1200">
-                <a:solidFill>
-                  <a:schemeClr val="tx1"/>
-                </a:solidFill>
-                <a:latin typeface="+mn-lt"/>
-                <a:ea typeface="+mn-ea"/>
-                <a:cs typeface="+mn-cs"/>
-              </a:defRPr>
-            </a:lvl6pPr>
-            <a:lvl7pPr marL="2971800" indent="-228600" algn="l" defTabSz="914400" rtl="0" eaLnBrk="1" latinLnBrk="0" hangingPunct="1">
-              <a:lnSpc>
-                <a:spcPct val="90000"/>
-              </a:lnSpc>
-              <a:spcBef>
-                <a:spcPts val="500"/>
-              </a:spcBef>
-              <a:buFont typeface="Arial" panose="020B0604020202020204" pitchFamily="34" charset="0"/>
-              <a:buChar char="•"/>
-              <a:defRPr sz="1800" kern="1200">
-                <a:solidFill>
-                  <a:schemeClr val="tx1"/>
-                </a:solidFill>
-                <a:latin typeface="+mn-lt"/>
-                <a:ea typeface="+mn-ea"/>
-                <a:cs typeface="+mn-cs"/>
-              </a:defRPr>
-            </a:lvl7pPr>
-            <a:lvl8pPr marL="3429000" indent="-228600" algn="l" defTabSz="914400" rtl="0" eaLnBrk="1" latinLnBrk="0" hangingPunct="1">
-              <a:lnSpc>
-                <a:spcPct val="90000"/>
-              </a:lnSpc>
-              <a:spcBef>
-                <a:spcPts val="500"/>
-              </a:spcBef>
-              <a:buFont typeface="Arial" panose="020B0604020202020204" pitchFamily="34" charset="0"/>
-              <a:buChar char="•"/>
-              <a:defRPr sz="1800" kern="1200">
-                <a:solidFill>
-                  <a:schemeClr val="tx1"/>
-                </a:solidFill>
-                <a:latin typeface="+mn-lt"/>
-                <a:ea typeface="+mn-ea"/>
-                <a:cs typeface="+mn-cs"/>
-              </a:defRPr>
-            </a:lvl8pPr>
-            <a:lvl9pPr marL="3886200" indent="-228600" algn="l" defTabSz="914400" rtl="0" eaLnBrk="1" latinLnBrk="0" hangingPunct="1">
-              <a:lnSpc>
-                <a:spcPct val="90000"/>
-              </a:lnSpc>
-              <a:spcBef>
-                <a:spcPts val="500"/>
-              </a:spcBef>
-              <a:buFont typeface="Arial" panose="020B0604020202020204" pitchFamily="34" charset="0"/>
-              <a:buChar char="•"/>
-              <a:defRPr sz="1800" kern="1200">
-                <a:solidFill>
-                  <a:schemeClr val="tx1"/>
-                </a:solidFill>
-                <a:latin typeface="+mn-lt"/>
-                <a:ea typeface="+mn-ea"/>
-                <a:cs typeface="+mn-cs"/>
-              </a:defRPr>
-            </a:lvl9pPr>
-          </a:lstStyle>
-          <a:p>
-            <a:fld id="{78048C4E-7BD1-46A5-B2F2-6AD408DAAD47}" type="slidenum">
-              <a:rPr lang="en-US" b="1" smtClean="0">
-                <a:solidFill>
-                  <a:schemeClr val="bg1"/>
-                </a:solidFill>
-              </a:rPr>
-              <a:pPr/>
-              <a:t>21</a:t>
-            </a:fld>
-            <a:endParaRPr lang="en-US" b="1" dirty="0">
-              <a:solidFill>
-                <a:schemeClr val="bg1"/>
-              </a:solidFill>
-            </a:endParaRPr>
-          </a:p>
-        </p:txBody>
-      </p:sp>
+        </p:spPr>
+      </p:pic>
     </p:spTree>
     <p:extLst>
       <p:ext uri="{BB962C8B-B14F-4D97-AF65-F5344CB8AC3E}">
-        <p14:creationId xmlns:p14="http://schemas.microsoft.com/office/powerpoint/2010/main" val="3971932752"/>
+        <p14:creationId xmlns:p14="http://schemas.microsoft.com/office/powerpoint/2010/main" val="321721710"/>
       </p:ext>
     </p:extLst>
   </p:cSld>
@@ -14627,8 +13597,8 @@
         </p:nvSpPr>
         <p:spPr>
           <a:xfrm>
-            <a:off x="446313" y="342481"/>
-            <a:ext cx="5170715" cy="590931"/>
+            <a:off x="446314" y="500215"/>
+            <a:ext cx="11174186" cy="590931"/>
           </a:xfrm>
         </p:spPr>
         <p:txBody>
@@ -14636,8 +13606,370 @@
           <a:lstStyle/>
           <a:p>
             <a:r>
+              <a:rPr lang="en-US" b="0" dirty="0" smtClean="0"/>
+              <a:t>Create pipelines for start and stop </a:t>
+            </a:r>
+            <a:r>
+              <a:rPr lang="en-US" b="0" dirty="0"/>
+              <a:t>the </a:t>
+            </a:r>
+            <a:r>
+              <a:rPr lang="en-US" b="0" dirty="0" smtClean="0"/>
+              <a:t>VM </a:t>
+            </a:r>
+            <a:r>
+              <a:rPr lang="en-US" b="0" dirty="0" err="1" smtClean="0"/>
+              <a:t>scaleset</a:t>
+            </a:r>
+            <a:endParaRPr lang="en-US" dirty="0"/>
+          </a:p>
+        </p:txBody>
+      </p:sp>
+      <p:sp>
+        <p:nvSpPr>
+          <p:cNvPr id="3" name="Content Placeholder 2"/>
+          <p:cNvSpPr>
+            <a:spLocks noGrp="1"/>
+          </p:cNvSpPr>
+          <p:nvPr>
+            <p:ph idx="1"/>
+          </p:nvPr>
+        </p:nvSpPr>
+        <p:spPr>
+          <a:xfrm>
+            <a:off x="446315" y="1463040"/>
+            <a:ext cx="5747336" cy="3064136"/>
+          </a:xfrm>
+        </p:spPr>
+        <p:txBody>
+          <a:bodyPr/>
+          <a:lstStyle/>
+          <a:p>
+            <a:r>
+              <a:rPr lang="en-US" dirty="0"/>
+              <a:t>First I added plugin from marketplace for Azure </a:t>
+            </a:r>
+            <a:r>
+              <a:rPr lang="en-US"/>
+              <a:t>VM </a:t>
+            </a:r>
+            <a:r>
+              <a:rPr lang="en-US" smtClean="0"/>
+              <a:t>manager</a:t>
+            </a:r>
+          </a:p>
+          <a:p>
+            <a:r>
+              <a:rPr lang="en-US" smtClean="0"/>
+              <a:t>To </a:t>
+            </a:r>
+            <a:r>
               <a:rPr lang="en-US" dirty="0" smtClean="0"/>
-              <a:t>Queries</a:t>
+              <a:t>create pipeline for start </a:t>
+            </a:r>
+            <a:r>
+              <a:rPr lang="en-US" dirty="0"/>
+              <a:t>and stop the VM </a:t>
+            </a:r>
+            <a:r>
+              <a:rPr lang="en-US" dirty="0" err="1" smtClean="0"/>
+              <a:t>scaleset</a:t>
+            </a:r>
+            <a:r>
+              <a:rPr lang="en-US" dirty="0" smtClean="0"/>
+              <a:t>, I need to have VM scale set.</a:t>
+            </a:r>
+          </a:p>
+          <a:p>
+            <a:r>
+              <a:rPr lang="en-US" dirty="0" smtClean="0"/>
+              <a:t>Previously I also created storage account.</a:t>
+            </a:r>
+          </a:p>
+          <a:p>
+            <a:r>
+              <a:rPr lang="en-US" dirty="0" smtClean="0"/>
+              <a:t>However I am not sure, how to get the image </a:t>
+            </a:r>
+            <a:r>
+              <a:rPr lang="en-US" dirty="0" err="1" smtClean="0"/>
+              <a:t>url</a:t>
+            </a:r>
+            <a:r>
+              <a:rPr lang="en-US" dirty="0" smtClean="0"/>
+              <a:t>.</a:t>
+            </a:r>
+          </a:p>
+          <a:p>
+            <a:pPr marL="0" indent="0">
+              <a:buNone/>
+            </a:pPr>
+            <a:endParaRPr lang="en-US" dirty="0"/>
+          </a:p>
+        </p:txBody>
+      </p:sp>
+      <p:pic>
+        <p:nvPicPr>
+          <p:cNvPr id="9" name="Picture 8"/>
+          <p:cNvPicPr/>
+          <p:nvPr/>
+        </p:nvPicPr>
+        <p:blipFill>
+          <a:blip r:embed="rId2"/>
+          <a:stretch>
+            <a:fillRect/>
+          </a:stretch>
+        </p:blipFill>
+        <p:spPr>
+          <a:xfrm>
+            <a:off x="250051" y="4792107"/>
+            <a:ext cx="5943600" cy="1812925"/>
+          </a:xfrm>
+          <a:prstGeom prst="rect">
+            <a:avLst/>
+          </a:prstGeom>
+          <a:ln>
+            <a:solidFill>
+              <a:schemeClr val="accent1"/>
+            </a:solidFill>
+          </a:ln>
+        </p:spPr>
+      </p:pic>
+      <p:pic>
+        <p:nvPicPr>
+          <p:cNvPr id="4" name="Picture 3"/>
+          <p:cNvPicPr>
+            <a:picLocks noChangeAspect="1"/>
+          </p:cNvPicPr>
+          <p:nvPr/>
+        </p:nvPicPr>
+        <p:blipFill>
+          <a:blip r:embed="rId3"/>
+          <a:stretch>
+            <a:fillRect/>
+          </a:stretch>
+        </p:blipFill>
+        <p:spPr>
+          <a:xfrm>
+            <a:off x="6193651" y="1091146"/>
+            <a:ext cx="5911500" cy="5248955"/>
+          </a:xfrm>
+          <a:prstGeom prst="rect">
+            <a:avLst/>
+          </a:prstGeom>
+        </p:spPr>
+      </p:pic>
+    </p:spTree>
+    <p:extLst>
+      <p:ext uri="{BB962C8B-B14F-4D97-AF65-F5344CB8AC3E}">
+        <p14:creationId xmlns:p14="http://schemas.microsoft.com/office/powerpoint/2010/main" val="2631353513"/>
+      </p:ext>
+    </p:extLst>
+  </p:cSld>
+  <p:clrMapOvr>
+    <a:masterClrMapping/>
+  </p:clrMapOvr>
+  <p:timing>
+    <p:tnLst>
+      <p:par>
+        <p:cTn id="1" dur="indefinite" restart="never" nodeType="tmRoot"/>
+      </p:par>
+    </p:tnLst>
+  </p:timing>
+</p:sld>
+</file>
+
+<file path=ppt/slides/slide23.xml><?xml version="1.0" encoding="utf-8"?>
+<p:sld xmlns:a="http://schemas.openxmlformats.org/drawingml/2006/main" xmlns:r="http://schemas.openxmlformats.org/officeDocument/2006/relationships" xmlns:p="http://schemas.openxmlformats.org/presentationml/2006/main">
+  <p:cSld>
+    <p:spTree>
+      <p:nvGrpSpPr>
+        <p:cNvPr id="1" name=""/>
+        <p:cNvGrpSpPr/>
+        <p:nvPr/>
+      </p:nvGrpSpPr>
+      <p:grpSpPr>
+        <a:xfrm>
+          <a:off x="0" y="0"/>
+          <a:ext cx="0" cy="0"/>
+          <a:chOff x="0" y="0"/>
+          <a:chExt cx="0" cy="0"/>
+        </a:xfrm>
+      </p:grpSpPr>
+      <p:sp>
+        <p:nvSpPr>
+          <p:cNvPr id="2" name="Title 1"/>
+          <p:cNvSpPr>
+            <a:spLocks noGrp="1"/>
+          </p:cNvSpPr>
+          <p:nvPr>
+            <p:ph type="title"/>
+          </p:nvPr>
+        </p:nvSpPr>
+        <p:spPr/>
+        <p:txBody>
+          <a:bodyPr/>
+          <a:lstStyle/>
+          <a:p>
+            <a:r>
+              <a:rPr lang="en-US" b="0" dirty="0"/>
+              <a:t>Create pipelines for start and stop the </a:t>
+            </a:r>
+            <a:r>
+              <a:rPr lang="en-US" b="0" dirty="0" smtClean="0"/>
+              <a:t>VMs</a:t>
+            </a:r>
+            <a:endParaRPr lang="en-US" dirty="0"/>
+          </a:p>
+        </p:txBody>
+      </p:sp>
+      <p:sp>
+        <p:nvSpPr>
+          <p:cNvPr id="3" name="Content Placeholder 2"/>
+          <p:cNvSpPr>
+            <a:spLocks noGrp="1"/>
+          </p:cNvSpPr>
+          <p:nvPr>
+            <p:ph idx="1"/>
+          </p:nvPr>
+        </p:nvSpPr>
+        <p:spPr>
+          <a:xfrm>
+            <a:off x="446315" y="1463040"/>
+            <a:ext cx="5240109" cy="2461260"/>
+          </a:xfrm>
+        </p:spPr>
+        <p:txBody>
+          <a:bodyPr/>
+          <a:lstStyle/>
+          <a:p>
+            <a:r>
+              <a:rPr lang="en-US" sz="1600" dirty="0" smtClean="0"/>
+              <a:t>I also tried to create pipeline to start and stop VMs.</a:t>
+            </a:r>
+          </a:p>
+          <a:p>
+            <a:r>
+              <a:rPr lang="en-US" sz="1600" dirty="0" smtClean="0"/>
+              <a:t>But I am not able to add new VMs for free</a:t>
+            </a:r>
+          </a:p>
+        </p:txBody>
+      </p:sp>
+      <p:pic>
+        <p:nvPicPr>
+          <p:cNvPr id="4" name="Picture 3"/>
+          <p:cNvPicPr>
+            <a:picLocks noChangeAspect="1"/>
+          </p:cNvPicPr>
+          <p:nvPr/>
+        </p:nvPicPr>
+        <p:blipFill>
+          <a:blip r:embed="rId2"/>
+          <a:stretch>
+            <a:fillRect/>
+          </a:stretch>
+        </p:blipFill>
+        <p:spPr>
+          <a:xfrm>
+            <a:off x="5829300" y="1019175"/>
+            <a:ext cx="6157912" cy="4400550"/>
+          </a:xfrm>
+          <a:prstGeom prst="rect">
+            <a:avLst/>
+          </a:prstGeom>
+        </p:spPr>
+      </p:pic>
+      <p:pic>
+        <p:nvPicPr>
+          <p:cNvPr id="5" name="Picture 4"/>
+          <p:cNvPicPr/>
+          <p:nvPr/>
+        </p:nvPicPr>
+        <p:blipFill>
+          <a:blip r:embed="rId3"/>
+          <a:stretch>
+            <a:fillRect/>
+          </a:stretch>
+        </p:blipFill>
+        <p:spPr>
+          <a:xfrm>
+            <a:off x="219075" y="4168537"/>
+            <a:ext cx="5610225" cy="2516505"/>
+          </a:xfrm>
+          <a:prstGeom prst="rect">
+            <a:avLst/>
+          </a:prstGeom>
+          <a:ln>
+            <a:solidFill>
+              <a:schemeClr val="accent1"/>
+            </a:solidFill>
+          </a:ln>
+        </p:spPr>
+      </p:pic>
+    </p:spTree>
+    <p:extLst>
+      <p:ext uri="{BB962C8B-B14F-4D97-AF65-F5344CB8AC3E}">
+        <p14:creationId xmlns:p14="http://schemas.microsoft.com/office/powerpoint/2010/main" val="485663468"/>
+      </p:ext>
+    </p:extLst>
+  </p:cSld>
+  <p:clrMapOvr>
+    <a:masterClrMapping/>
+  </p:clrMapOvr>
+</p:sld>
+</file>
+
+<file path=ppt/slides/slide24.xml><?xml version="1.0" encoding="utf-8"?>
+<p:sld xmlns:a="http://schemas.openxmlformats.org/drawingml/2006/main" xmlns:r="http://schemas.openxmlformats.org/officeDocument/2006/relationships" xmlns:p="http://schemas.openxmlformats.org/presentationml/2006/main">
+  <p:cSld>
+    <p:spTree>
+      <p:nvGrpSpPr>
+        <p:cNvPr id="1" name=""/>
+        <p:cNvGrpSpPr/>
+        <p:nvPr/>
+      </p:nvGrpSpPr>
+      <p:grpSpPr>
+        <a:xfrm>
+          <a:off x="0" y="0"/>
+          <a:ext cx="0" cy="0"/>
+          <a:chOff x="0" y="0"/>
+          <a:chExt cx="0" cy="0"/>
+        </a:xfrm>
+      </p:grpSpPr>
+      <p:sp>
+        <p:nvSpPr>
+          <p:cNvPr id="10" name="Title 9">
+            <a:extLst>
+              <a:ext uri="{FF2B5EF4-FFF2-40B4-BE49-F238E27FC236}">
+                <a16:creationId xmlns:a16="http://schemas.microsoft.com/office/drawing/2014/main" id="{24FAFA63-EF73-4268-8107-6CD20923D700}"/>
+              </a:ext>
+            </a:extLst>
+          </p:cNvPr>
+          <p:cNvSpPr>
+            <a:spLocks noGrp="1"/>
+          </p:cNvSpPr>
+          <p:nvPr>
+            <p:ph type="title"/>
+          </p:nvPr>
+        </p:nvSpPr>
+        <p:spPr>
+          <a:xfrm>
+            <a:off x="446314" y="464401"/>
+            <a:ext cx="5170715" cy="590931"/>
+          </a:xfrm>
+        </p:spPr>
+        <p:txBody>
+          <a:bodyPr/>
+          <a:lstStyle/>
+          <a:p>
+            <a:r>
+              <a:rPr lang="en-US" dirty="0"/>
+              <a:t>Issues </a:t>
+            </a:r>
+            <a:r>
+              <a:rPr lang="en-US" dirty="0" smtClean="0"/>
+              <a:t>Faced - 1</a:t>
             </a:r>
             <a:endParaRPr lang="en-US" dirty="0"/>
           </a:p>
@@ -14661,8 +13993,8 @@
         </p:nvSpPr>
         <p:spPr>
           <a:xfrm>
-            <a:off x="508905" y="1018764"/>
-            <a:ext cx="5569678" cy="5625876"/>
+            <a:off x="508906" y="1192935"/>
+            <a:ext cx="5045529" cy="5541240"/>
           </a:xfrm>
         </p:spPr>
         <p:txBody>
@@ -14670,78 +14002,154 @@
           <a:lstStyle/>
           <a:p>
             <a:pPr marL="285750" indent="-285750">
+              <a:spcBef>
+                <a:spcPts val="1200"/>
+              </a:spcBef>
               <a:buFont typeface="Arial" panose="020B0604020202020204" pitchFamily="34" charset="0"/>
               <a:buChar char="•"/>
             </a:pPr>
             <a:r>
               <a:rPr lang="en-US" dirty="0"/>
-              <a:t>Scale operation did not work after sometime</a:t>
+              <a:t>When creating AKS, it didn't allow names with "-" separator</a:t>
             </a:r>
           </a:p>
           <a:p>
             <a:pPr marL="285750" indent="-285750">
+              <a:spcBef>
+                <a:spcPts val="1200"/>
+              </a:spcBef>
               <a:buFont typeface="Arial" panose="020B0604020202020204" pitchFamily="34" charset="0"/>
               <a:buChar char="•"/>
             </a:pPr>
             <a:r>
               <a:rPr lang="en-US" dirty="0"/>
-              <a:t>$ az </a:t>
-            </a:r>
-            <a:r>
-              <a:rPr lang="en-US" dirty="0" err="1"/>
-              <a:t>aks</a:t>
-            </a:r>
-            <a:r>
-              <a:rPr lang="en-US" dirty="0"/>
-              <a:t> scale --name </a:t>
-            </a:r>
-            <a:r>
-              <a:rPr lang="en-US" dirty="0" err="1"/>
-              <a:t>jpnlAKSCluster</a:t>
-            </a:r>
-            <a:r>
-              <a:rPr lang="en-US" dirty="0"/>
-              <a:t> --resource-group VotingAppResourceGroup --node-count 3</a:t>
-            </a:r>
+              <a:t>When creating ACR, it warns that I shouldn't use capital letters, because they are considered as </a:t>
+            </a:r>
+            <a:r>
+              <a:rPr lang="en-US" dirty="0" smtClean="0"/>
+              <a:t>small cases.</a:t>
+            </a:r>
+            <a:endParaRPr lang="en-US" dirty="0"/>
           </a:p>
           <a:p>
             <a:pPr marL="285750" indent="-285750">
+              <a:spcBef>
+                <a:spcPts val="1200"/>
+              </a:spcBef>
               <a:buFont typeface="Arial" panose="020B0604020202020204" pitchFamily="34" charset="0"/>
               <a:buChar char="•"/>
             </a:pPr>
             <a:r>
+              <a:rPr lang="en-US" dirty="0"/>
+              <a:t>Image push was taking long time, and it started handing. So killed the process and on return I saw image was already pushed</a:t>
+            </a:r>
+          </a:p>
+          <a:p>
+            <a:pPr marL="285750" indent="-285750">
+              <a:spcBef>
+                <a:spcPts val="1200"/>
+              </a:spcBef>
+              <a:buFont typeface="Arial" panose="020B0604020202020204" pitchFamily="34" charset="0"/>
+              <a:buChar char="•"/>
+            </a:pPr>
+            <a:r>
+              <a:rPr lang="en-US" dirty="0"/>
+              <a:t>As per the tutorial, I needed to use "--enable-cluster-autoscaler“.  That mandated me to use "max-count 2   --min-count 2“</a:t>
+            </a:r>
+          </a:p>
+          <a:p>
+            <a:pPr marL="285750" indent="-285750">
+              <a:spcBef>
+                <a:spcPts val="1200"/>
+              </a:spcBef>
+              <a:buFont typeface="Arial" panose="020B0604020202020204" pitchFamily="34" charset="0"/>
+              <a:buChar char="•"/>
+            </a:pPr>
+            <a:r>
+              <a:rPr lang="en-US" dirty="0"/>
+              <a:t>It took some time for me to find how to create Bseries 2 size VM. Then </a:t>
+            </a:r>
+            <a:r>
               <a:rPr lang="en-US" dirty="0" err="1"/>
-              <a:t>BadRequestError</a:t>
+              <a:t>i</a:t>
             </a:r>
             <a:r>
               <a:rPr lang="en-US" dirty="0"/>
-              <a:t>: Operation failed with status: 'Bad Request'. Details: Provisioning of resource(s) for container service </a:t>
+              <a:t> read the following page </a:t>
+            </a:r>
+            <a:r>
+              <a:rPr lang="en-US" dirty="0">
+                <a:hlinkClick r:id="rId2"/>
+              </a:rPr>
+              <a:t>https://azure.microsoft.com/hu-hu/blog/introducing-burstable-vm-support-in-aks/</a:t>
+            </a:r>
+            <a:endParaRPr lang="en-US" dirty="0"/>
+          </a:p>
+          <a:p>
+            <a:pPr marL="285750" indent="-285750">
+              <a:spcBef>
+                <a:spcPts val="1200"/>
+              </a:spcBef>
+              <a:buFont typeface="Arial" panose="020B0604020202020204" pitchFamily="34" charset="0"/>
+              <a:buChar char="•"/>
+            </a:pPr>
+            <a:r>
+              <a:rPr lang="en-US" dirty="0"/>
+              <a:t>When dealing with kubectl for the first-time with AKS, I had many issues. </a:t>
             </a:r>
             <a:r>
               <a:rPr lang="en-US" dirty="0" err="1"/>
-              <a:t>jpnlAKSCluster</a:t>
+              <a:t>Aks</a:t>
             </a:r>
             <a:r>
               <a:rPr lang="en-US" dirty="0"/>
-              <a:t> in resource group VotingAppResourceGroup failed. Message: Operation could not be completed as it results in exceeding approved Total Regional Cores quota. Additional details - Deployment Model: Resource Manager, Location: westeurope, Current Limit: 4, Current Usage: 2, Additional Required: 4, (Minimum) New Limit Required: 6. Submit a request for Quota increase at https://aka.ms/ProdportalCRP/?#create/Microsoft.Support/Parameters/%7B%22subId%22:%22332e5bac-b102-41b0-8241-cd5ac6f02900%22,%22pesId%22:%2206bfd9d3-516b-d5c6-5802-169c800dec89%22,%22supportTopicId%22:%22e12e3d1d-7fa0-af33-c6d0-3c50df9658a3%22%7D by specifying parameters listed in the </a:t>
+              <a:t> get-credentials did not solve the issue. Then later I found that, I set </a:t>
             </a:r>
             <a:r>
               <a:rPr lang="en-US" dirty="0" err="1"/>
-              <a:t>æDetailsÆ</a:t>
+              <a:t>kubeconfig</a:t>
             </a:r>
             <a:r>
               <a:rPr lang="en-US" dirty="0"/>
-              <a:t> section for deployment to succeed. Please read more about quota limits at https://docs.microsoft.com/</a:t>
+              <a:t> value in environment variable. So I removed and forced kubectl to use the one in the user </a:t>
             </a:r>
             <a:r>
               <a:rPr lang="en-US" dirty="0" err="1"/>
-              <a:t>en</a:t>
+              <a:t>firectory</a:t>
             </a:r>
             <a:r>
               <a:rPr lang="en-US" dirty="0"/>
-              <a:t>-us/azure/azure-supportability/regional-quota-requests.. </a:t>
-            </a:r>
-            <a:endParaRPr lang="en-US" dirty="0"/>
+              <a:t>/.</a:t>
+            </a:r>
+            <a:r>
+              <a:rPr lang="en-US" dirty="0" err="1"/>
+              <a:t>kube</a:t>
+            </a:r>
+            <a:r>
+              <a:rPr lang="en-US" dirty="0"/>
+              <a:t> folder</a:t>
+            </a:r>
+          </a:p>
+          <a:p>
+            <a:pPr marL="285750" indent="-285750">
+              <a:spcBef>
+                <a:spcPts val="1200"/>
+              </a:spcBef>
+              <a:buFont typeface="Arial" panose="020B0604020202020204" pitchFamily="34" charset="0"/>
+              <a:buChar char="•"/>
+            </a:pPr>
+            <a:r>
+              <a:rPr lang="en-US" dirty="0"/>
+              <a:t>During docker image push, I got authentication error. So I performed az </a:t>
+            </a:r>
+            <a:r>
+              <a:rPr lang="en-US" dirty="0" err="1"/>
+              <a:t>acr</a:t>
+            </a:r>
+            <a:r>
+              <a:rPr lang="en-US" dirty="0"/>
+              <a:t> login</a:t>
+            </a:r>
           </a:p>
         </p:txBody>
       </p:sp>
@@ -14762,7 +14170,7 @@
           </p:nvPr>
         </p:nvPicPr>
         <p:blipFill>
-          <a:blip r:embed="rId2">
+          <a:blip r:embed="rId3">
             <a:extLst>
               <a:ext uri="{28A0092B-C50C-407E-A947-70E740481C1C}">
                 <a14:useLocalDpi xmlns:a14="http://schemas.microsoft.com/office/drawing/2010/main" val="0"/>
@@ -14784,7 +14192,7 @@
                 <a16:creationId xmlns:a16="http://schemas.microsoft.com/office/drawing/2014/main" id="{61E397FF-5106-4C31-8E91-796AEA20258E}"/>
               </a:ext>
               <a:ext uri="{C183D7F6-B498-43B3-948B-1728B52AA6E4}">
-                <adec:decorative xmlns="" xmlns:adec="http://schemas.microsoft.com/office/drawing/2017/decorative" val="1"/>
+                <adec:decorative xmlns:adec="http://schemas.microsoft.com/office/drawing/2017/decorative" xmlns="" val="1"/>
               </a:ext>
             </a:extLst>
           </p:cNvPr>
@@ -15044,7 +14452,1482 @@
                 </a:solidFill>
               </a:rPr>
               <a:pPr/>
-              <a:t>22</a:t>
+              <a:t>24</a:t>
+            </a:fld>
+            <a:endParaRPr lang="en-US" b="1" dirty="0">
+              <a:solidFill>
+                <a:schemeClr val="bg1"/>
+              </a:solidFill>
+            </a:endParaRPr>
+          </a:p>
+        </p:txBody>
+      </p:sp>
+    </p:spTree>
+    <p:extLst>
+      <p:ext uri="{BB962C8B-B14F-4D97-AF65-F5344CB8AC3E}">
+        <p14:creationId xmlns:p14="http://schemas.microsoft.com/office/powerpoint/2010/main" val="2925726837"/>
+      </p:ext>
+    </p:extLst>
+  </p:cSld>
+  <p:clrMapOvr>
+    <a:masterClrMapping/>
+  </p:clrMapOvr>
+</p:sld>
+</file>
+
+<file path=ppt/slides/slide25.xml><?xml version="1.0" encoding="utf-8"?>
+<p:sld xmlns:a="http://schemas.openxmlformats.org/drawingml/2006/main" xmlns:r="http://schemas.openxmlformats.org/officeDocument/2006/relationships" xmlns:p="http://schemas.openxmlformats.org/presentationml/2006/main">
+  <p:cSld>
+    <p:spTree>
+      <p:nvGrpSpPr>
+        <p:cNvPr id="1" name=""/>
+        <p:cNvGrpSpPr/>
+        <p:nvPr/>
+      </p:nvGrpSpPr>
+      <p:grpSpPr>
+        <a:xfrm>
+          <a:off x="0" y="0"/>
+          <a:ext cx="0" cy="0"/>
+          <a:chOff x="0" y="0"/>
+          <a:chExt cx="0" cy="0"/>
+        </a:xfrm>
+      </p:grpSpPr>
+      <p:sp>
+        <p:nvSpPr>
+          <p:cNvPr id="10" name="Title 9">
+            <a:extLst>
+              <a:ext uri="{FF2B5EF4-FFF2-40B4-BE49-F238E27FC236}">
+                <a16:creationId xmlns:a16="http://schemas.microsoft.com/office/drawing/2014/main" id="{24FAFA63-EF73-4268-8107-6CD20923D700}"/>
+              </a:ext>
+            </a:extLst>
+          </p:cNvPr>
+          <p:cNvSpPr>
+            <a:spLocks noGrp="1"/>
+          </p:cNvSpPr>
+          <p:nvPr>
+            <p:ph type="title"/>
+          </p:nvPr>
+        </p:nvSpPr>
+        <p:spPr>
+          <a:xfrm>
+            <a:off x="446314" y="464401"/>
+            <a:ext cx="5170715" cy="590931"/>
+          </a:xfrm>
+        </p:spPr>
+        <p:txBody>
+          <a:bodyPr/>
+          <a:lstStyle/>
+          <a:p>
+            <a:r>
+              <a:rPr lang="en-US" dirty="0"/>
+              <a:t>Issues Faced - </a:t>
+            </a:r>
+            <a:r>
+              <a:rPr lang="en-US" dirty="0" smtClean="0"/>
+              <a:t>2</a:t>
+            </a:r>
+            <a:endParaRPr lang="en-US" dirty="0"/>
+          </a:p>
+        </p:txBody>
+      </p:sp>
+      <p:sp>
+        <p:nvSpPr>
+          <p:cNvPr id="17" name="Text Placeholder 16">
+            <a:extLst>
+              <a:ext uri="{FF2B5EF4-FFF2-40B4-BE49-F238E27FC236}">
+                <a16:creationId xmlns:a16="http://schemas.microsoft.com/office/drawing/2014/main" id="{BB40F080-6054-425B-9E1C-1DDC9260832D}"/>
+              </a:ext>
+            </a:extLst>
+          </p:cNvPr>
+          <p:cNvSpPr>
+            <a:spLocks noGrp="1"/>
+          </p:cNvSpPr>
+          <p:nvPr>
+            <p:ph type="body" sz="quarter" idx="17"/>
+          </p:nvPr>
+        </p:nvSpPr>
+        <p:spPr>
+          <a:xfrm>
+            <a:off x="508906" y="1192935"/>
+            <a:ext cx="5045529" cy="5541240"/>
+          </a:xfrm>
+        </p:spPr>
+        <p:txBody>
+          <a:bodyPr/>
+          <a:lstStyle/>
+          <a:p>
+            <a:pPr marL="285750" indent="-285750">
+              <a:spcBef>
+                <a:spcPts val="1200"/>
+              </a:spcBef>
+              <a:buFont typeface="Arial" panose="020B0604020202020204" pitchFamily="34" charset="0"/>
+              <a:buChar char="•"/>
+            </a:pPr>
+            <a:r>
+              <a:rPr lang="en-US" dirty="0" smtClean="0"/>
+              <a:t>When </a:t>
+            </a:r>
+            <a:r>
+              <a:rPr lang="en-US" dirty="0"/>
+              <a:t>deploying v2 app, kubectl set </a:t>
+            </a:r>
+            <a:r>
+              <a:rPr lang="en-US" dirty="0" smtClean="0"/>
+              <a:t>image command </a:t>
+            </a:r>
+            <a:r>
+              <a:rPr lang="en-US" dirty="0"/>
+              <a:t>took very long time. I performed some </a:t>
+            </a:r>
+            <a:r>
+              <a:rPr lang="en-US" dirty="0" err="1"/>
+              <a:t>kubeclt</a:t>
+            </a:r>
+            <a:r>
+              <a:rPr lang="en-US" dirty="0"/>
+              <a:t> operation to restart or rescale, then kubectl started working as usual</a:t>
+            </a:r>
+          </a:p>
+          <a:p>
+            <a:pPr marL="285750" indent="-285750">
+              <a:spcBef>
+                <a:spcPts val="1200"/>
+              </a:spcBef>
+              <a:buFont typeface="Arial" panose="020B0604020202020204" pitchFamily="34" charset="0"/>
+              <a:buChar char="•"/>
+            </a:pPr>
+            <a:r>
+              <a:rPr lang="en-US" dirty="0"/>
+              <a:t>When creating Azure DevOps id, my outlook password didn't work. I have generate one from the DevOps portal</a:t>
+            </a:r>
+            <a:r>
+              <a:rPr lang="en-US" dirty="0" smtClean="0"/>
+              <a:t>. Seems this is an expected behavior</a:t>
+            </a:r>
+          </a:p>
+          <a:p>
+            <a:pPr marL="285750" indent="-285750">
+              <a:spcBef>
+                <a:spcPts val="1200"/>
+              </a:spcBef>
+              <a:buFont typeface="Arial" panose="020B0604020202020204" pitchFamily="34" charset="0"/>
+              <a:buChar char="•"/>
+            </a:pPr>
+            <a:r>
+              <a:rPr lang="en-US" dirty="0" smtClean="0"/>
+              <a:t>As kubectl command was hanging more often, I stopped the AKS. It took so much time and effort to start the AKS again, as I need to go through different steps to ensure that it is started finally. </a:t>
+            </a:r>
+            <a:r>
+              <a:rPr lang="en-US" dirty="0" err="1" smtClean="0"/>
+              <a:t>Eg</a:t>
+            </a:r>
+            <a:r>
+              <a:rPr lang="en-US" dirty="0" smtClean="0"/>
+              <a:t>:- Disabled autoscaler, </a:t>
+            </a:r>
+          </a:p>
+          <a:p>
+            <a:pPr marL="285750" indent="-285750">
+              <a:spcBef>
+                <a:spcPts val="1200"/>
+              </a:spcBef>
+              <a:buFont typeface="Arial" panose="020B0604020202020204" pitchFamily="34" charset="0"/>
+              <a:buChar char="•"/>
+            </a:pPr>
+            <a:r>
+              <a:rPr lang="en-US" dirty="0" smtClean="0"/>
+              <a:t>Unable to update the </a:t>
+            </a:r>
+            <a:r>
+              <a:rPr lang="en-US" dirty="0" err="1" smtClean="0"/>
+              <a:t>kubernets</a:t>
+            </a:r>
+            <a:endParaRPr lang="en-US" dirty="0" smtClean="0"/>
+          </a:p>
+          <a:p>
+            <a:pPr marL="285750" indent="-285750">
+              <a:spcBef>
+                <a:spcPts val="1200"/>
+              </a:spcBef>
+              <a:buFont typeface="Arial" panose="020B0604020202020204" pitchFamily="34" charset="0"/>
+              <a:buChar char="•"/>
+            </a:pPr>
+            <a:r>
+              <a:rPr lang="en-US" dirty="0" smtClean="0"/>
+              <a:t>Please refer “Correcting </a:t>
+            </a:r>
+            <a:r>
+              <a:rPr lang="en-US" dirty="0"/>
+              <a:t>azure generated pipeline </a:t>
+            </a:r>
+            <a:r>
+              <a:rPr lang="en-US" dirty="0" smtClean="0"/>
+              <a:t>configurations” slide for some issues faced and solved during “Configuring </a:t>
+            </a:r>
+            <a:r>
+              <a:rPr lang="en-US" smtClean="0"/>
+              <a:t>CI-CD pipeline”</a:t>
+            </a:r>
+            <a:endParaRPr lang="en-US" dirty="0" smtClean="0"/>
+          </a:p>
+        </p:txBody>
+      </p:sp>
+      <p:pic>
+        <p:nvPicPr>
+          <p:cNvPr id="23" name="Picture Placeholder 22" descr="Right side image placeholder">
+            <a:extLst>
+              <a:ext uri="{FF2B5EF4-FFF2-40B4-BE49-F238E27FC236}">
+                <a16:creationId xmlns:a16="http://schemas.microsoft.com/office/drawing/2014/main" id="{DC389449-072E-4155-BA3B-C45AA950BF24}"/>
+              </a:ext>
+            </a:extLst>
+          </p:cNvPr>
+          <p:cNvPicPr>
+            <a:picLocks noGrp="1" noChangeAspect="1"/>
+          </p:cNvPicPr>
+          <p:nvPr>
+            <p:ph type="pic" sz="quarter" idx="13"/>
+          </p:nvPr>
+        </p:nvPicPr>
+        <p:blipFill>
+          <a:blip r:embed="rId2">
+            <a:extLst>
+              <a:ext uri="{28A0092B-C50C-407E-A947-70E740481C1C}">
+                <a14:useLocalDpi xmlns:a14="http://schemas.microsoft.com/office/drawing/2010/main" val="0"/>
+              </a:ext>
+            </a:extLst>
+          </a:blip>
+          <a:srcRect/>
+          <a:stretch>
+            <a:fillRect/>
+          </a:stretch>
+        </p:blipFill>
+        <p:spPr/>
+      </p:pic>
+      <p:sp>
+        <p:nvSpPr>
+          <p:cNvPr id="7" name="Rectangle 6">
+            <a:extLst>
+              <a:ext uri="{FF2B5EF4-FFF2-40B4-BE49-F238E27FC236}">
+                <a16:creationId xmlns:a16="http://schemas.microsoft.com/office/drawing/2014/main" id="{61E397FF-5106-4C31-8E91-796AEA20258E}"/>
+              </a:ext>
+              <a:ext uri="{C183D7F6-B498-43B3-948B-1728B52AA6E4}">
+                <adec:decorative xmlns:adec="http://schemas.microsoft.com/office/drawing/2017/decorative" xmlns="" val="1"/>
+              </a:ext>
+            </a:extLst>
+          </p:cNvPr>
+          <p:cNvSpPr/>
+          <p:nvPr/>
+        </p:nvSpPr>
+        <p:spPr>
+          <a:xfrm>
+            <a:off x="11360016" y="6369050"/>
+            <a:ext cx="335909" cy="488950"/>
+          </a:xfrm>
+          <a:prstGeom prst="rect">
+            <a:avLst/>
+          </a:prstGeom>
+          <a:solidFill>
+            <a:schemeClr val="bg2">
+              <a:lumMod val="85000"/>
+            </a:schemeClr>
+          </a:solidFill>
+          <a:ln>
+            <a:noFill/>
+          </a:ln>
+        </p:spPr>
+        <p:style>
+          <a:lnRef idx="2">
+            <a:schemeClr val="accent1">
+              <a:shade val="50000"/>
+            </a:schemeClr>
+          </a:lnRef>
+          <a:fillRef idx="1">
+            <a:schemeClr val="accent1"/>
+          </a:fillRef>
+          <a:effectRef idx="0">
+            <a:schemeClr val="accent1"/>
+          </a:effectRef>
+          <a:fontRef idx="minor">
+            <a:schemeClr val="lt1"/>
+          </a:fontRef>
+        </p:style>
+        <p:txBody>
+          <a:bodyPr rot="0" spcFirstLastPara="0" vertOverflow="overflow" horzOverflow="overflow" vert="horz" wrap="square" lIns="91440" tIns="45720" rIns="91440" bIns="45720" numCol="1" spcCol="0" rtlCol="0" fromWordArt="0" anchor="ctr" anchorCtr="0" forceAA="0" compatLnSpc="1">
+            <a:prstTxWarp prst="textNoShape">
+              <a:avLst/>
+            </a:prstTxWarp>
+            <a:noAutofit/>
+          </a:bodyPr>
+          <a:lstStyle/>
+          <a:p>
+            <a:pPr algn="ctr"/>
+            <a:endParaRPr lang="en-US" dirty="0">
+              <a:solidFill>
+                <a:schemeClr val="tx1"/>
+              </a:solidFill>
+            </a:endParaRPr>
+          </a:p>
+        </p:txBody>
+      </p:sp>
+      <p:sp>
+        <p:nvSpPr>
+          <p:cNvPr id="8" name="Slide Number Placeholder 5">
+            <a:extLst>
+              <a:ext uri="{FF2B5EF4-FFF2-40B4-BE49-F238E27FC236}">
+                <a16:creationId xmlns:a16="http://schemas.microsoft.com/office/drawing/2014/main" id="{D7DDE5B7-93F1-4010-85B1-8F63FD5044C7}"/>
+              </a:ext>
+            </a:extLst>
+          </p:cNvPr>
+          <p:cNvSpPr txBox="1">
+            <a:spLocks/>
+          </p:cNvSpPr>
+          <p:nvPr/>
+        </p:nvSpPr>
+        <p:spPr>
+          <a:xfrm>
+            <a:off x="11360016" y="6369050"/>
+            <a:ext cx="335909" cy="365125"/>
+          </a:xfrm>
+          <a:prstGeom prst="rect">
+            <a:avLst/>
+          </a:prstGeom>
+          <a:solidFill>
+            <a:schemeClr val="accent2"/>
+          </a:solidFill>
+        </p:spPr>
+        <p:txBody>
+          <a:bodyPr vert="horz" lIns="0" tIns="45720" rIns="0" bIns="45720" rtlCol="0" anchor="ctr">
+            <a:normAutofit/>
+          </a:bodyPr>
+          <a:lstStyle>
+            <a:lvl1pPr marL="0" indent="0" algn="ctr" defTabSz="914400" rtl="0" eaLnBrk="1" latinLnBrk="0" hangingPunct="1">
+              <a:lnSpc>
+                <a:spcPct val="90000"/>
+              </a:lnSpc>
+              <a:spcBef>
+                <a:spcPts val="1000"/>
+              </a:spcBef>
+              <a:buFont typeface="Arial" panose="020B0604020202020204" pitchFamily="34" charset="0"/>
+              <a:buNone/>
+              <a:defRPr sz="1000" b="0" kern="1200">
+                <a:solidFill>
+                  <a:srgbClr val="01C6FD"/>
+                </a:solidFill>
+                <a:latin typeface="+mn-lt"/>
+                <a:ea typeface="+mn-ea"/>
+                <a:cs typeface="+mn-cs"/>
+              </a:defRPr>
+            </a:lvl1pPr>
+            <a:lvl2pPr marL="685800" indent="-228600" algn="l" defTabSz="914400" rtl="0" eaLnBrk="1" latinLnBrk="0" hangingPunct="1">
+              <a:lnSpc>
+                <a:spcPct val="90000"/>
+              </a:lnSpc>
+              <a:spcBef>
+                <a:spcPts val="500"/>
+              </a:spcBef>
+              <a:buFont typeface="Arial" panose="020B0604020202020204" pitchFamily="34" charset="0"/>
+              <a:buChar char="•"/>
+              <a:defRPr sz="2400" b="0" kern="1200">
+                <a:solidFill>
+                  <a:schemeClr val="tx1"/>
+                </a:solidFill>
+                <a:latin typeface="+mn-lt"/>
+                <a:ea typeface="+mn-ea"/>
+                <a:cs typeface="+mn-cs"/>
+              </a:defRPr>
+            </a:lvl2pPr>
+            <a:lvl3pPr marL="1143000" indent="-228600" algn="l" defTabSz="914400" rtl="0" eaLnBrk="1" latinLnBrk="0" hangingPunct="1">
+              <a:lnSpc>
+                <a:spcPct val="90000"/>
+              </a:lnSpc>
+              <a:spcBef>
+                <a:spcPts val="500"/>
+              </a:spcBef>
+              <a:buFont typeface="Arial" panose="020B0604020202020204" pitchFamily="34" charset="0"/>
+              <a:buChar char="•"/>
+              <a:defRPr sz="2000" b="0" kern="1200">
+                <a:solidFill>
+                  <a:schemeClr val="tx1"/>
+                </a:solidFill>
+                <a:latin typeface="+mn-lt"/>
+                <a:ea typeface="+mn-ea"/>
+                <a:cs typeface="+mn-cs"/>
+              </a:defRPr>
+            </a:lvl3pPr>
+            <a:lvl4pPr marL="1600200" indent="-228600" algn="l" defTabSz="914400" rtl="0" eaLnBrk="1" latinLnBrk="0" hangingPunct="1">
+              <a:lnSpc>
+                <a:spcPct val="90000"/>
+              </a:lnSpc>
+              <a:spcBef>
+                <a:spcPts val="500"/>
+              </a:spcBef>
+              <a:buFont typeface="Arial" panose="020B0604020202020204" pitchFamily="34" charset="0"/>
+              <a:buChar char="•"/>
+              <a:defRPr sz="1800" b="0" kern="1200">
+                <a:solidFill>
+                  <a:schemeClr val="tx1"/>
+                </a:solidFill>
+                <a:latin typeface="+mn-lt"/>
+                <a:ea typeface="+mn-ea"/>
+                <a:cs typeface="+mn-cs"/>
+              </a:defRPr>
+            </a:lvl4pPr>
+            <a:lvl5pPr marL="2057400" indent="-228600" algn="l" defTabSz="914400" rtl="0" eaLnBrk="1" latinLnBrk="0" hangingPunct="1">
+              <a:lnSpc>
+                <a:spcPct val="90000"/>
+              </a:lnSpc>
+              <a:spcBef>
+                <a:spcPts val="500"/>
+              </a:spcBef>
+              <a:buFont typeface="Arial" panose="020B0604020202020204" pitchFamily="34" charset="0"/>
+              <a:buChar char="•"/>
+              <a:defRPr sz="1800" b="0" kern="1200">
+                <a:solidFill>
+                  <a:schemeClr val="tx1"/>
+                </a:solidFill>
+                <a:latin typeface="+mn-lt"/>
+                <a:ea typeface="+mn-ea"/>
+                <a:cs typeface="+mn-cs"/>
+              </a:defRPr>
+            </a:lvl5pPr>
+            <a:lvl6pPr marL="2514600" indent="-228600" algn="l" defTabSz="914400" rtl="0" eaLnBrk="1" latinLnBrk="0" hangingPunct="1">
+              <a:lnSpc>
+                <a:spcPct val="90000"/>
+              </a:lnSpc>
+              <a:spcBef>
+                <a:spcPts val="500"/>
+              </a:spcBef>
+              <a:buFont typeface="Arial" panose="020B0604020202020204" pitchFamily="34" charset="0"/>
+              <a:buChar char="•"/>
+              <a:defRPr sz="1800" kern="1200">
+                <a:solidFill>
+                  <a:schemeClr val="tx1"/>
+                </a:solidFill>
+                <a:latin typeface="+mn-lt"/>
+                <a:ea typeface="+mn-ea"/>
+                <a:cs typeface="+mn-cs"/>
+              </a:defRPr>
+            </a:lvl6pPr>
+            <a:lvl7pPr marL="2971800" indent="-228600" algn="l" defTabSz="914400" rtl="0" eaLnBrk="1" latinLnBrk="0" hangingPunct="1">
+              <a:lnSpc>
+                <a:spcPct val="90000"/>
+              </a:lnSpc>
+              <a:spcBef>
+                <a:spcPts val="500"/>
+              </a:spcBef>
+              <a:buFont typeface="Arial" panose="020B0604020202020204" pitchFamily="34" charset="0"/>
+              <a:buChar char="•"/>
+              <a:defRPr sz="1800" kern="1200">
+                <a:solidFill>
+                  <a:schemeClr val="tx1"/>
+                </a:solidFill>
+                <a:latin typeface="+mn-lt"/>
+                <a:ea typeface="+mn-ea"/>
+                <a:cs typeface="+mn-cs"/>
+              </a:defRPr>
+            </a:lvl7pPr>
+            <a:lvl8pPr marL="3429000" indent="-228600" algn="l" defTabSz="914400" rtl="0" eaLnBrk="1" latinLnBrk="0" hangingPunct="1">
+              <a:lnSpc>
+                <a:spcPct val="90000"/>
+              </a:lnSpc>
+              <a:spcBef>
+                <a:spcPts val="500"/>
+              </a:spcBef>
+              <a:buFont typeface="Arial" panose="020B0604020202020204" pitchFamily="34" charset="0"/>
+              <a:buChar char="•"/>
+              <a:defRPr sz="1800" kern="1200">
+                <a:solidFill>
+                  <a:schemeClr val="tx1"/>
+                </a:solidFill>
+                <a:latin typeface="+mn-lt"/>
+                <a:ea typeface="+mn-ea"/>
+                <a:cs typeface="+mn-cs"/>
+              </a:defRPr>
+            </a:lvl8pPr>
+            <a:lvl9pPr marL="3886200" indent="-228600" algn="l" defTabSz="914400" rtl="0" eaLnBrk="1" latinLnBrk="0" hangingPunct="1">
+              <a:lnSpc>
+                <a:spcPct val="90000"/>
+              </a:lnSpc>
+              <a:spcBef>
+                <a:spcPts val="500"/>
+              </a:spcBef>
+              <a:buFont typeface="Arial" panose="020B0604020202020204" pitchFamily="34" charset="0"/>
+              <a:buChar char="•"/>
+              <a:defRPr sz="1800" kern="1200">
+                <a:solidFill>
+                  <a:schemeClr val="tx1"/>
+                </a:solidFill>
+                <a:latin typeface="+mn-lt"/>
+                <a:ea typeface="+mn-ea"/>
+                <a:cs typeface="+mn-cs"/>
+              </a:defRPr>
+            </a:lvl9pPr>
+          </a:lstStyle>
+          <a:p>
+            <a:fld id="{78048C4E-7BD1-46A5-B2F2-6AD408DAAD47}" type="slidenum">
+              <a:rPr lang="en-US" b="1" smtClean="0">
+                <a:solidFill>
+                  <a:schemeClr val="bg1"/>
+                </a:solidFill>
+              </a:rPr>
+              <a:pPr/>
+              <a:t>25</a:t>
+            </a:fld>
+            <a:endParaRPr lang="en-US" b="1" dirty="0">
+              <a:solidFill>
+                <a:schemeClr val="bg1"/>
+              </a:solidFill>
+            </a:endParaRPr>
+          </a:p>
+        </p:txBody>
+      </p:sp>
+    </p:spTree>
+    <p:extLst>
+      <p:ext uri="{BB962C8B-B14F-4D97-AF65-F5344CB8AC3E}">
+        <p14:creationId xmlns:p14="http://schemas.microsoft.com/office/powerpoint/2010/main" val="3961862166"/>
+      </p:ext>
+    </p:extLst>
+  </p:cSld>
+  <p:clrMapOvr>
+    <a:masterClrMapping/>
+  </p:clrMapOvr>
+</p:sld>
+</file>
+
+<file path=ppt/slides/slide26.xml><?xml version="1.0" encoding="utf-8"?>
+<p:sld xmlns:a="http://schemas.openxmlformats.org/drawingml/2006/main" xmlns:r="http://schemas.openxmlformats.org/officeDocument/2006/relationships" xmlns:p="http://schemas.openxmlformats.org/presentationml/2006/main">
+  <p:cSld>
+    <p:spTree>
+      <p:nvGrpSpPr>
+        <p:cNvPr id="1" name=""/>
+        <p:cNvGrpSpPr/>
+        <p:nvPr/>
+      </p:nvGrpSpPr>
+      <p:grpSpPr>
+        <a:xfrm>
+          <a:off x="0" y="0"/>
+          <a:ext cx="0" cy="0"/>
+          <a:chOff x="0" y="0"/>
+          <a:chExt cx="0" cy="0"/>
+        </a:xfrm>
+      </p:grpSpPr>
+      <p:sp>
+        <p:nvSpPr>
+          <p:cNvPr id="10" name="Title 9">
+            <a:extLst>
+              <a:ext uri="{FF2B5EF4-FFF2-40B4-BE49-F238E27FC236}">
+                <a16:creationId xmlns:a16="http://schemas.microsoft.com/office/drawing/2014/main" id="{24FAFA63-EF73-4268-8107-6CD20923D700}"/>
+              </a:ext>
+            </a:extLst>
+          </p:cNvPr>
+          <p:cNvSpPr>
+            <a:spLocks noGrp="1"/>
+          </p:cNvSpPr>
+          <p:nvPr>
+            <p:ph type="title"/>
+          </p:nvPr>
+        </p:nvSpPr>
+        <p:spPr>
+          <a:xfrm>
+            <a:off x="446313" y="342481"/>
+            <a:ext cx="5170715" cy="590931"/>
+          </a:xfrm>
+        </p:spPr>
+        <p:txBody>
+          <a:bodyPr/>
+          <a:lstStyle/>
+          <a:p>
+            <a:r>
+              <a:rPr lang="en-US" dirty="0" smtClean="0"/>
+              <a:t>Queries</a:t>
+            </a:r>
+            <a:endParaRPr lang="en-US" dirty="0"/>
+          </a:p>
+        </p:txBody>
+      </p:sp>
+      <p:sp>
+        <p:nvSpPr>
+          <p:cNvPr id="17" name="Text Placeholder 16">
+            <a:extLst>
+              <a:ext uri="{FF2B5EF4-FFF2-40B4-BE49-F238E27FC236}">
+                <a16:creationId xmlns:a16="http://schemas.microsoft.com/office/drawing/2014/main" id="{BB40F080-6054-425B-9E1C-1DDC9260832D}"/>
+              </a:ext>
+            </a:extLst>
+          </p:cNvPr>
+          <p:cNvSpPr>
+            <a:spLocks noGrp="1"/>
+          </p:cNvSpPr>
+          <p:nvPr>
+            <p:ph type="body" sz="quarter" idx="17"/>
+          </p:nvPr>
+        </p:nvSpPr>
+        <p:spPr>
+          <a:xfrm>
+            <a:off x="508905" y="1018764"/>
+            <a:ext cx="5569678" cy="5625876"/>
+          </a:xfrm>
+        </p:spPr>
+        <p:txBody>
+          <a:bodyPr/>
+          <a:lstStyle/>
+          <a:p>
+            <a:pPr marL="285750" indent="-285750">
+              <a:buFont typeface="Arial" panose="020B0604020202020204" pitchFamily="34" charset="0"/>
+              <a:buChar char="•"/>
+            </a:pPr>
+            <a:r>
+              <a:rPr lang="en-US" dirty="0" smtClean="0"/>
+              <a:t>When </a:t>
+            </a:r>
+            <a:r>
+              <a:rPr lang="en-US" dirty="0"/>
+              <a:t>not using the cluster stop the Virtual machine scale set to save on costs. ??</a:t>
+            </a:r>
+          </a:p>
+          <a:p>
+            <a:pPr marL="285750" indent="-285750">
+              <a:buFont typeface="Arial" panose="020B0604020202020204" pitchFamily="34" charset="0"/>
+              <a:buChar char="•"/>
+            </a:pPr>
+            <a:r>
+              <a:rPr lang="en-US" dirty="0"/>
+              <a:t>The applications created using DevOps pipeline is not working on external </a:t>
+            </a:r>
+            <a:r>
+              <a:rPr lang="en-US" dirty="0" smtClean="0"/>
+              <a:t>IP</a:t>
+            </a:r>
+          </a:p>
+          <a:p>
+            <a:pPr marL="285750" indent="-285750">
+              <a:buFont typeface="Arial" panose="020B0604020202020204" pitchFamily="34" charset="0"/>
+              <a:buChar char="•"/>
+            </a:pPr>
+            <a:r>
+              <a:rPr lang="en-US" dirty="0" smtClean="0"/>
+              <a:t>When </a:t>
+            </a:r>
+            <a:r>
+              <a:rPr lang="en-US" dirty="0"/>
+              <a:t>pods are scaled using </a:t>
+            </a:r>
+            <a:r>
+              <a:rPr lang="en-US" dirty="0" err="1"/>
+              <a:t>horizontalAutoscale</a:t>
+            </a:r>
+            <a:r>
+              <a:rPr lang="en-US" dirty="0"/>
+              <a:t> yaml configurations, I noticed that the data is not in sync across the </a:t>
+            </a:r>
+            <a:r>
+              <a:rPr lang="en-US" dirty="0" smtClean="0"/>
+              <a:t>pods. Means for every refresh of the page, I got different values. Means I got for Cat-DOG, once 23-24 and 6-9.</a:t>
+            </a:r>
+            <a:endParaRPr lang="en-US" dirty="0"/>
+          </a:p>
+          <a:p>
+            <a:pPr marL="285750" indent="-285750">
+              <a:buFont typeface="Arial" panose="020B0604020202020204" pitchFamily="34" charset="0"/>
+              <a:buChar char="•"/>
+            </a:pPr>
+            <a:r>
+              <a:rPr lang="en-US" dirty="0" smtClean="0"/>
+              <a:t>More often kubectl commands was hanging, not sure why</a:t>
+            </a:r>
+          </a:p>
+          <a:p>
+            <a:pPr marL="285750" indent="-285750">
+              <a:buFont typeface="Arial" panose="020B0604020202020204" pitchFamily="34" charset="0"/>
+              <a:buChar char="•"/>
+            </a:pPr>
+            <a:r>
+              <a:rPr lang="en-US" dirty="0" smtClean="0"/>
+              <a:t>Not able to upgrade the k8s version from 17 to 18.</a:t>
+            </a:r>
+          </a:p>
+        </p:txBody>
+      </p:sp>
+      <p:pic>
+        <p:nvPicPr>
+          <p:cNvPr id="23" name="Picture Placeholder 22" descr="Right side image placeholder">
+            <a:extLst>
+              <a:ext uri="{FF2B5EF4-FFF2-40B4-BE49-F238E27FC236}">
+                <a16:creationId xmlns:a16="http://schemas.microsoft.com/office/drawing/2014/main" id="{DC389449-072E-4155-BA3B-C45AA950BF24}"/>
+              </a:ext>
+            </a:extLst>
+          </p:cNvPr>
+          <p:cNvPicPr>
+            <a:picLocks noGrp="1" noChangeAspect="1"/>
+          </p:cNvPicPr>
+          <p:nvPr>
+            <p:ph type="pic" sz="quarter" idx="13"/>
+          </p:nvPr>
+        </p:nvPicPr>
+        <p:blipFill>
+          <a:blip r:embed="rId2">
+            <a:extLst>
+              <a:ext uri="{28A0092B-C50C-407E-A947-70E740481C1C}">
+                <a14:useLocalDpi xmlns:a14="http://schemas.microsoft.com/office/drawing/2010/main" val="0"/>
+              </a:ext>
+            </a:extLst>
+          </a:blip>
+          <a:srcRect/>
+          <a:stretch>
+            <a:fillRect/>
+          </a:stretch>
+        </p:blipFill>
+        <p:spPr/>
+      </p:pic>
+      <p:sp>
+        <p:nvSpPr>
+          <p:cNvPr id="7" name="Rectangle 6">
+            <a:extLst>
+              <a:ext uri="{FF2B5EF4-FFF2-40B4-BE49-F238E27FC236}">
+                <a16:creationId xmlns:a16="http://schemas.microsoft.com/office/drawing/2014/main" id="{61E397FF-5106-4C31-8E91-796AEA20258E}"/>
+              </a:ext>
+              <a:ext uri="{C183D7F6-B498-43B3-948B-1728B52AA6E4}">
+                <adec:decorative xmlns="" xmlns:adec="http://schemas.microsoft.com/office/drawing/2017/decorative" val="1"/>
+              </a:ext>
+            </a:extLst>
+          </p:cNvPr>
+          <p:cNvSpPr/>
+          <p:nvPr/>
+        </p:nvSpPr>
+        <p:spPr>
+          <a:xfrm>
+            <a:off x="11360016" y="6369050"/>
+            <a:ext cx="335909" cy="488950"/>
+          </a:xfrm>
+          <a:prstGeom prst="rect">
+            <a:avLst/>
+          </a:prstGeom>
+          <a:solidFill>
+            <a:schemeClr val="bg2">
+              <a:lumMod val="85000"/>
+            </a:schemeClr>
+          </a:solidFill>
+          <a:ln>
+            <a:noFill/>
+          </a:ln>
+        </p:spPr>
+        <p:style>
+          <a:lnRef idx="2">
+            <a:schemeClr val="accent1">
+              <a:shade val="50000"/>
+            </a:schemeClr>
+          </a:lnRef>
+          <a:fillRef idx="1">
+            <a:schemeClr val="accent1"/>
+          </a:fillRef>
+          <a:effectRef idx="0">
+            <a:schemeClr val="accent1"/>
+          </a:effectRef>
+          <a:fontRef idx="minor">
+            <a:schemeClr val="lt1"/>
+          </a:fontRef>
+        </p:style>
+        <p:txBody>
+          <a:bodyPr rot="0" spcFirstLastPara="0" vertOverflow="overflow" horzOverflow="overflow" vert="horz" wrap="square" lIns="91440" tIns="45720" rIns="91440" bIns="45720" numCol="1" spcCol="0" rtlCol="0" fromWordArt="0" anchor="ctr" anchorCtr="0" forceAA="0" compatLnSpc="1">
+            <a:prstTxWarp prst="textNoShape">
+              <a:avLst/>
+            </a:prstTxWarp>
+            <a:noAutofit/>
+          </a:bodyPr>
+          <a:lstStyle/>
+          <a:p>
+            <a:pPr algn="ctr"/>
+            <a:endParaRPr lang="en-US" dirty="0">
+              <a:solidFill>
+                <a:schemeClr val="tx1"/>
+              </a:solidFill>
+            </a:endParaRPr>
+          </a:p>
+        </p:txBody>
+      </p:sp>
+      <p:sp>
+        <p:nvSpPr>
+          <p:cNvPr id="8" name="Slide Number Placeholder 5">
+            <a:extLst>
+              <a:ext uri="{FF2B5EF4-FFF2-40B4-BE49-F238E27FC236}">
+                <a16:creationId xmlns:a16="http://schemas.microsoft.com/office/drawing/2014/main" id="{D7DDE5B7-93F1-4010-85B1-8F63FD5044C7}"/>
+              </a:ext>
+            </a:extLst>
+          </p:cNvPr>
+          <p:cNvSpPr txBox="1">
+            <a:spLocks/>
+          </p:cNvSpPr>
+          <p:nvPr/>
+        </p:nvSpPr>
+        <p:spPr>
+          <a:xfrm>
+            <a:off x="11360016" y="6369050"/>
+            <a:ext cx="335909" cy="365125"/>
+          </a:xfrm>
+          <a:prstGeom prst="rect">
+            <a:avLst/>
+          </a:prstGeom>
+          <a:solidFill>
+            <a:schemeClr val="accent2"/>
+          </a:solidFill>
+        </p:spPr>
+        <p:txBody>
+          <a:bodyPr vert="horz" lIns="0" tIns="45720" rIns="0" bIns="45720" rtlCol="0" anchor="ctr">
+            <a:normAutofit/>
+          </a:bodyPr>
+          <a:lstStyle>
+            <a:lvl1pPr marL="0" indent="0" algn="ctr" defTabSz="914400" rtl="0" eaLnBrk="1" latinLnBrk="0" hangingPunct="1">
+              <a:lnSpc>
+                <a:spcPct val="90000"/>
+              </a:lnSpc>
+              <a:spcBef>
+                <a:spcPts val="1000"/>
+              </a:spcBef>
+              <a:buFont typeface="Arial" panose="020B0604020202020204" pitchFamily="34" charset="0"/>
+              <a:buNone/>
+              <a:defRPr sz="1000" b="0" kern="1200">
+                <a:solidFill>
+                  <a:srgbClr val="01C6FD"/>
+                </a:solidFill>
+                <a:latin typeface="+mn-lt"/>
+                <a:ea typeface="+mn-ea"/>
+                <a:cs typeface="+mn-cs"/>
+              </a:defRPr>
+            </a:lvl1pPr>
+            <a:lvl2pPr marL="685800" indent="-228600" algn="l" defTabSz="914400" rtl="0" eaLnBrk="1" latinLnBrk="0" hangingPunct="1">
+              <a:lnSpc>
+                <a:spcPct val="90000"/>
+              </a:lnSpc>
+              <a:spcBef>
+                <a:spcPts val="500"/>
+              </a:spcBef>
+              <a:buFont typeface="Arial" panose="020B0604020202020204" pitchFamily="34" charset="0"/>
+              <a:buChar char="•"/>
+              <a:defRPr sz="2400" b="0" kern="1200">
+                <a:solidFill>
+                  <a:schemeClr val="tx1"/>
+                </a:solidFill>
+                <a:latin typeface="+mn-lt"/>
+                <a:ea typeface="+mn-ea"/>
+                <a:cs typeface="+mn-cs"/>
+              </a:defRPr>
+            </a:lvl2pPr>
+            <a:lvl3pPr marL="1143000" indent="-228600" algn="l" defTabSz="914400" rtl="0" eaLnBrk="1" latinLnBrk="0" hangingPunct="1">
+              <a:lnSpc>
+                <a:spcPct val="90000"/>
+              </a:lnSpc>
+              <a:spcBef>
+                <a:spcPts val="500"/>
+              </a:spcBef>
+              <a:buFont typeface="Arial" panose="020B0604020202020204" pitchFamily="34" charset="0"/>
+              <a:buChar char="•"/>
+              <a:defRPr sz="2000" b="0" kern="1200">
+                <a:solidFill>
+                  <a:schemeClr val="tx1"/>
+                </a:solidFill>
+                <a:latin typeface="+mn-lt"/>
+                <a:ea typeface="+mn-ea"/>
+                <a:cs typeface="+mn-cs"/>
+              </a:defRPr>
+            </a:lvl3pPr>
+            <a:lvl4pPr marL="1600200" indent="-228600" algn="l" defTabSz="914400" rtl="0" eaLnBrk="1" latinLnBrk="0" hangingPunct="1">
+              <a:lnSpc>
+                <a:spcPct val="90000"/>
+              </a:lnSpc>
+              <a:spcBef>
+                <a:spcPts val="500"/>
+              </a:spcBef>
+              <a:buFont typeface="Arial" panose="020B0604020202020204" pitchFamily="34" charset="0"/>
+              <a:buChar char="•"/>
+              <a:defRPr sz="1800" b="0" kern="1200">
+                <a:solidFill>
+                  <a:schemeClr val="tx1"/>
+                </a:solidFill>
+                <a:latin typeface="+mn-lt"/>
+                <a:ea typeface="+mn-ea"/>
+                <a:cs typeface="+mn-cs"/>
+              </a:defRPr>
+            </a:lvl4pPr>
+            <a:lvl5pPr marL="2057400" indent="-228600" algn="l" defTabSz="914400" rtl="0" eaLnBrk="1" latinLnBrk="0" hangingPunct="1">
+              <a:lnSpc>
+                <a:spcPct val="90000"/>
+              </a:lnSpc>
+              <a:spcBef>
+                <a:spcPts val="500"/>
+              </a:spcBef>
+              <a:buFont typeface="Arial" panose="020B0604020202020204" pitchFamily="34" charset="0"/>
+              <a:buChar char="•"/>
+              <a:defRPr sz="1800" b="0" kern="1200">
+                <a:solidFill>
+                  <a:schemeClr val="tx1"/>
+                </a:solidFill>
+                <a:latin typeface="+mn-lt"/>
+                <a:ea typeface="+mn-ea"/>
+                <a:cs typeface="+mn-cs"/>
+              </a:defRPr>
+            </a:lvl5pPr>
+            <a:lvl6pPr marL="2514600" indent="-228600" algn="l" defTabSz="914400" rtl="0" eaLnBrk="1" latinLnBrk="0" hangingPunct="1">
+              <a:lnSpc>
+                <a:spcPct val="90000"/>
+              </a:lnSpc>
+              <a:spcBef>
+                <a:spcPts val="500"/>
+              </a:spcBef>
+              <a:buFont typeface="Arial" panose="020B0604020202020204" pitchFamily="34" charset="0"/>
+              <a:buChar char="•"/>
+              <a:defRPr sz="1800" kern="1200">
+                <a:solidFill>
+                  <a:schemeClr val="tx1"/>
+                </a:solidFill>
+                <a:latin typeface="+mn-lt"/>
+                <a:ea typeface="+mn-ea"/>
+                <a:cs typeface="+mn-cs"/>
+              </a:defRPr>
+            </a:lvl6pPr>
+            <a:lvl7pPr marL="2971800" indent="-228600" algn="l" defTabSz="914400" rtl="0" eaLnBrk="1" latinLnBrk="0" hangingPunct="1">
+              <a:lnSpc>
+                <a:spcPct val="90000"/>
+              </a:lnSpc>
+              <a:spcBef>
+                <a:spcPts val="500"/>
+              </a:spcBef>
+              <a:buFont typeface="Arial" panose="020B0604020202020204" pitchFamily="34" charset="0"/>
+              <a:buChar char="•"/>
+              <a:defRPr sz="1800" kern="1200">
+                <a:solidFill>
+                  <a:schemeClr val="tx1"/>
+                </a:solidFill>
+                <a:latin typeface="+mn-lt"/>
+                <a:ea typeface="+mn-ea"/>
+                <a:cs typeface="+mn-cs"/>
+              </a:defRPr>
+            </a:lvl7pPr>
+            <a:lvl8pPr marL="3429000" indent="-228600" algn="l" defTabSz="914400" rtl="0" eaLnBrk="1" latinLnBrk="0" hangingPunct="1">
+              <a:lnSpc>
+                <a:spcPct val="90000"/>
+              </a:lnSpc>
+              <a:spcBef>
+                <a:spcPts val="500"/>
+              </a:spcBef>
+              <a:buFont typeface="Arial" panose="020B0604020202020204" pitchFamily="34" charset="0"/>
+              <a:buChar char="•"/>
+              <a:defRPr sz="1800" kern="1200">
+                <a:solidFill>
+                  <a:schemeClr val="tx1"/>
+                </a:solidFill>
+                <a:latin typeface="+mn-lt"/>
+                <a:ea typeface="+mn-ea"/>
+                <a:cs typeface="+mn-cs"/>
+              </a:defRPr>
+            </a:lvl8pPr>
+            <a:lvl9pPr marL="3886200" indent="-228600" algn="l" defTabSz="914400" rtl="0" eaLnBrk="1" latinLnBrk="0" hangingPunct="1">
+              <a:lnSpc>
+                <a:spcPct val="90000"/>
+              </a:lnSpc>
+              <a:spcBef>
+                <a:spcPts val="500"/>
+              </a:spcBef>
+              <a:buFont typeface="Arial" panose="020B0604020202020204" pitchFamily="34" charset="0"/>
+              <a:buChar char="•"/>
+              <a:defRPr sz="1800" kern="1200">
+                <a:solidFill>
+                  <a:schemeClr val="tx1"/>
+                </a:solidFill>
+                <a:latin typeface="+mn-lt"/>
+                <a:ea typeface="+mn-ea"/>
+                <a:cs typeface="+mn-cs"/>
+              </a:defRPr>
+            </a:lvl9pPr>
+          </a:lstStyle>
+          <a:p>
+            <a:fld id="{78048C4E-7BD1-46A5-B2F2-6AD408DAAD47}" type="slidenum">
+              <a:rPr lang="en-US" b="1" smtClean="0">
+                <a:solidFill>
+                  <a:schemeClr val="bg1"/>
+                </a:solidFill>
+              </a:rPr>
+              <a:pPr/>
+              <a:t>26</a:t>
+            </a:fld>
+            <a:endParaRPr lang="en-US" b="1" dirty="0">
+              <a:solidFill>
+                <a:schemeClr val="bg1"/>
+              </a:solidFill>
+            </a:endParaRPr>
+          </a:p>
+        </p:txBody>
+      </p:sp>
+    </p:spTree>
+    <p:extLst>
+      <p:ext uri="{BB962C8B-B14F-4D97-AF65-F5344CB8AC3E}">
+        <p14:creationId xmlns:p14="http://schemas.microsoft.com/office/powerpoint/2010/main" val="3971932752"/>
+      </p:ext>
+    </p:extLst>
+  </p:cSld>
+  <p:clrMapOvr>
+    <a:masterClrMapping/>
+  </p:clrMapOvr>
+  <p:timing>
+    <p:tnLst>
+      <p:par>
+        <p:cTn id="1" dur="indefinite" restart="never" nodeType="tmRoot"/>
+      </p:par>
+    </p:tnLst>
+  </p:timing>
+</p:sld>
+</file>
+
+<file path=ppt/slides/slide27.xml><?xml version="1.0" encoding="utf-8"?>
+<p:sld xmlns:a="http://schemas.openxmlformats.org/drawingml/2006/main" xmlns:r="http://schemas.openxmlformats.org/officeDocument/2006/relationships" xmlns:p="http://schemas.openxmlformats.org/presentationml/2006/main">
+  <p:cSld>
+    <p:spTree>
+      <p:nvGrpSpPr>
+        <p:cNvPr id="1" name=""/>
+        <p:cNvGrpSpPr/>
+        <p:nvPr/>
+      </p:nvGrpSpPr>
+      <p:grpSpPr>
+        <a:xfrm>
+          <a:off x="0" y="0"/>
+          <a:ext cx="0" cy="0"/>
+          <a:chOff x="0" y="0"/>
+          <a:chExt cx="0" cy="0"/>
+        </a:xfrm>
+      </p:grpSpPr>
+      <p:sp>
+        <p:nvSpPr>
+          <p:cNvPr id="10" name="Title 9">
+            <a:extLst>
+              <a:ext uri="{FF2B5EF4-FFF2-40B4-BE49-F238E27FC236}">
+                <a16:creationId xmlns:a16="http://schemas.microsoft.com/office/drawing/2014/main" id="{24FAFA63-EF73-4268-8107-6CD20923D700}"/>
+              </a:ext>
+            </a:extLst>
+          </p:cNvPr>
+          <p:cNvSpPr>
+            <a:spLocks noGrp="1"/>
+          </p:cNvSpPr>
+          <p:nvPr>
+            <p:ph type="title"/>
+          </p:nvPr>
+        </p:nvSpPr>
+        <p:spPr>
+          <a:xfrm>
+            <a:off x="446313" y="342481"/>
+            <a:ext cx="5170715" cy="590931"/>
+          </a:xfrm>
+        </p:spPr>
+        <p:txBody>
+          <a:bodyPr/>
+          <a:lstStyle/>
+          <a:p>
+            <a:r>
+              <a:rPr lang="en-US" dirty="0" smtClean="0"/>
+              <a:t>Queries</a:t>
+            </a:r>
+            <a:endParaRPr lang="en-US" dirty="0"/>
+          </a:p>
+        </p:txBody>
+      </p:sp>
+      <p:sp>
+        <p:nvSpPr>
+          <p:cNvPr id="17" name="Text Placeholder 16">
+            <a:extLst>
+              <a:ext uri="{FF2B5EF4-FFF2-40B4-BE49-F238E27FC236}">
+                <a16:creationId xmlns:a16="http://schemas.microsoft.com/office/drawing/2014/main" id="{BB40F080-6054-425B-9E1C-1DDC9260832D}"/>
+              </a:ext>
+            </a:extLst>
+          </p:cNvPr>
+          <p:cNvSpPr>
+            <a:spLocks noGrp="1"/>
+          </p:cNvSpPr>
+          <p:nvPr>
+            <p:ph type="body" sz="quarter" idx="17"/>
+          </p:nvPr>
+        </p:nvSpPr>
+        <p:spPr>
+          <a:xfrm>
+            <a:off x="508905" y="1018764"/>
+            <a:ext cx="5569678" cy="5625876"/>
+          </a:xfrm>
+        </p:spPr>
+        <p:txBody>
+          <a:bodyPr/>
+          <a:lstStyle/>
+          <a:p>
+            <a:pPr marL="285750" indent="-285750">
+              <a:buFont typeface="Arial" panose="020B0604020202020204" pitchFamily="34" charset="0"/>
+              <a:buChar char="•"/>
+            </a:pPr>
+            <a:r>
+              <a:rPr lang="en-US" dirty="0"/>
+              <a:t>Scale operation did not work after sometime</a:t>
+            </a:r>
+          </a:p>
+          <a:p>
+            <a:pPr marL="285750" indent="-285750">
+              <a:buFont typeface="Arial" panose="020B0604020202020204" pitchFamily="34" charset="0"/>
+              <a:buChar char="•"/>
+            </a:pPr>
+            <a:r>
+              <a:rPr lang="en-US" dirty="0"/>
+              <a:t>$ az </a:t>
+            </a:r>
+            <a:r>
+              <a:rPr lang="en-US" dirty="0" err="1"/>
+              <a:t>aks</a:t>
+            </a:r>
+            <a:r>
+              <a:rPr lang="en-US" dirty="0"/>
+              <a:t> scale --name </a:t>
+            </a:r>
+            <a:r>
+              <a:rPr lang="en-US" dirty="0" err="1"/>
+              <a:t>jpnlAKSCluster</a:t>
+            </a:r>
+            <a:r>
+              <a:rPr lang="en-US" dirty="0"/>
+              <a:t> --resource-group VotingAppResourceGroup --node-count 3</a:t>
+            </a:r>
+          </a:p>
+          <a:p>
+            <a:pPr marL="285750" indent="-285750">
+              <a:buFont typeface="Arial" panose="020B0604020202020204" pitchFamily="34" charset="0"/>
+              <a:buChar char="•"/>
+            </a:pPr>
+            <a:r>
+              <a:rPr lang="en-US" dirty="0" err="1"/>
+              <a:t>BadRequestError</a:t>
+            </a:r>
+            <a:r>
+              <a:rPr lang="en-US" dirty="0"/>
+              <a:t>: Operation failed with status: 'Bad Request'. Details: Provisioning of resource(s) for container service </a:t>
+            </a:r>
+            <a:r>
+              <a:rPr lang="en-US" dirty="0" err="1"/>
+              <a:t>jpnlAKSCluster</a:t>
+            </a:r>
+            <a:r>
+              <a:rPr lang="en-US" dirty="0"/>
+              <a:t> in resource group VotingAppResourceGroup failed. Message: Operation could not be completed as it results in exceeding approved Total Regional Cores quota. Additional details - Deployment Model: Resource Manager, Location: westeurope, Current Limit: 4, Current Usage: 2, Additional Required: 4, (Minimum) New Limit Required: 6. Submit a request for Quota increase at https://aka.ms/ProdportalCRP/?#create/Microsoft.Support/Parameters/%7B%22subId%22:%22332e5bac-b102-41b0-8241-cd5ac6f02900%22,%22pesId%22:%2206bfd9d3-516b-d5c6-5802-169c800dec89%22,%22supportTopicId%22:%22e12e3d1d-7fa0-af33-c6d0-3c50df9658a3%22%7D by specifying parameters listed in the </a:t>
+            </a:r>
+            <a:r>
+              <a:rPr lang="en-US" dirty="0" err="1"/>
+              <a:t>æDetailsÆ</a:t>
+            </a:r>
+            <a:r>
+              <a:rPr lang="en-US" dirty="0"/>
+              <a:t> section for deployment to succeed. Please read more about quota limits at https://docs.microsoft.com/</a:t>
+            </a:r>
+            <a:r>
+              <a:rPr lang="en-US" dirty="0" err="1"/>
+              <a:t>en</a:t>
+            </a:r>
+            <a:r>
+              <a:rPr lang="en-US" dirty="0"/>
+              <a:t>-us/azure/azure-supportability/regional-quota-requests.. </a:t>
+            </a:r>
+          </a:p>
+        </p:txBody>
+      </p:sp>
+      <p:pic>
+        <p:nvPicPr>
+          <p:cNvPr id="23" name="Picture Placeholder 22" descr="Right side image placeholder">
+            <a:extLst>
+              <a:ext uri="{FF2B5EF4-FFF2-40B4-BE49-F238E27FC236}">
+                <a16:creationId xmlns:a16="http://schemas.microsoft.com/office/drawing/2014/main" id="{DC389449-072E-4155-BA3B-C45AA950BF24}"/>
+              </a:ext>
+            </a:extLst>
+          </p:cNvPr>
+          <p:cNvPicPr>
+            <a:picLocks noGrp="1" noChangeAspect="1"/>
+          </p:cNvPicPr>
+          <p:nvPr>
+            <p:ph type="pic" sz="quarter" idx="13"/>
+          </p:nvPr>
+        </p:nvPicPr>
+        <p:blipFill>
+          <a:blip r:embed="rId2">
+            <a:extLst>
+              <a:ext uri="{28A0092B-C50C-407E-A947-70E740481C1C}">
+                <a14:useLocalDpi xmlns:a14="http://schemas.microsoft.com/office/drawing/2010/main" val="0"/>
+              </a:ext>
+            </a:extLst>
+          </a:blip>
+          <a:srcRect/>
+          <a:stretch>
+            <a:fillRect/>
+          </a:stretch>
+        </p:blipFill>
+        <p:spPr/>
+      </p:pic>
+      <p:sp>
+        <p:nvSpPr>
+          <p:cNvPr id="7" name="Rectangle 6">
+            <a:extLst>
+              <a:ext uri="{FF2B5EF4-FFF2-40B4-BE49-F238E27FC236}">
+                <a16:creationId xmlns:a16="http://schemas.microsoft.com/office/drawing/2014/main" id="{61E397FF-5106-4C31-8E91-796AEA20258E}"/>
+              </a:ext>
+              <a:ext uri="{C183D7F6-B498-43B3-948B-1728B52AA6E4}">
+                <adec:decorative xmlns="" xmlns:adec="http://schemas.microsoft.com/office/drawing/2017/decorative" val="1"/>
+              </a:ext>
+            </a:extLst>
+          </p:cNvPr>
+          <p:cNvSpPr/>
+          <p:nvPr/>
+        </p:nvSpPr>
+        <p:spPr>
+          <a:xfrm>
+            <a:off x="11360016" y="6369050"/>
+            <a:ext cx="335909" cy="488950"/>
+          </a:xfrm>
+          <a:prstGeom prst="rect">
+            <a:avLst/>
+          </a:prstGeom>
+          <a:solidFill>
+            <a:schemeClr val="bg2">
+              <a:lumMod val="85000"/>
+            </a:schemeClr>
+          </a:solidFill>
+          <a:ln>
+            <a:noFill/>
+          </a:ln>
+        </p:spPr>
+        <p:style>
+          <a:lnRef idx="2">
+            <a:schemeClr val="accent1">
+              <a:shade val="50000"/>
+            </a:schemeClr>
+          </a:lnRef>
+          <a:fillRef idx="1">
+            <a:schemeClr val="accent1"/>
+          </a:fillRef>
+          <a:effectRef idx="0">
+            <a:schemeClr val="accent1"/>
+          </a:effectRef>
+          <a:fontRef idx="minor">
+            <a:schemeClr val="lt1"/>
+          </a:fontRef>
+        </p:style>
+        <p:txBody>
+          <a:bodyPr rot="0" spcFirstLastPara="0" vertOverflow="overflow" horzOverflow="overflow" vert="horz" wrap="square" lIns="91440" tIns="45720" rIns="91440" bIns="45720" numCol="1" spcCol="0" rtlCol="0" fromWordArt="0" anchor="ctr" anchorCtr="0" forceAA="0" compatLnSpc="1">
+            <a:prstTxWarp prst="textNoShape">
+              <a:avLst/>
+            </a:prstTxWarp>
+            <a:noAutofit/>
+          </a:bodyPr>
+          <a:lstStyle/>
+          <a:p>
+            <a:pPr algn="ctr"/>
+            <a:endParaRPr lang="en-US" dirty="0">
+              <a:solidFill>
+                <a:schemeClr val="tx1"/>
+              </a:solidFill>
+            </a:endParaRPr>
+          </a:p>
+        </p:txBody>
+      </p:sp>
+      <p:sp>
+        <p:nvSpPr>
+          <p:cNvPr id="8" name="Slide Number Placeholder 5">
+            <a:extLst>
+              <a:ext uri="{FF2B5EF4-FFF2-40B4-BE49-F238E27FC236}">
+                <a16:creationId xmlns:a16="http://schemas.microsoft.com/office/drawing/2014/main" id="{D7DDE5B7-93F1-4010-85B1-8F63FD5044C7}"/>
+              </a:ext>
+            </a:extLst>
+          </p:cNvPr>
+          <p:cNvSpPr txBox="1">
+            <a:spLocks/>
+          </p:cNvSpPr>
+          <p:nvPr/>
+        </p:nvSpPr>
+        <p:spPr>
+          <a:xfrm>
+            <a:off x="11360016" y="6369050"/>
+            <a:ext cx="335909" cy="365125"/>
+          </a:xfrm>
+          <a:prstGeom prst="rect">
+            <a:avLst/>
+          </a:prstGeom>
+          <a:solidFill>
+            <a:schemeClr val="accent2"/>
+          </a:solidFill>
+        </p:spPr>
+        <p:txBody>
+          <a:bodyPr vert="horz" lIns="0" tIns="45720" rIns="0" bIns="45720" rtlCol="0" anchor="ctr">
+            <a:normAutofit/>
+          </a:bodyPr>
+          <a:lstStyle>
+            <a:lvl1pPr marL="0" indent="0" algn="ctr" defTabSz="914400" rtl="0" eaLnBrk="1" latinLnBrk="0" hangingPunct="1">
+              <a:lnSpc>
+                <a:spcPct val="90000"/>
+              </a:lnSpc>
+              <a:spcBef>
+                <a:spcPts val="1000"/>
+              </a:spcBef>
+              <a:buFont typeface="Arial" panose="020B0604020202020204" pitchFamily="34" charset="0"/>
+              <a:buNone/>
+              <a:defRPr sz="1000" b="0" kern="1200">
+                <a:solidFill>
+                  <a:srgbClr val="01C6FD"/>
+                </a:solidFill>
+                <a:latin typeface="+mn-lt"/>
+                <a:ea typeface="+mn-ea"/>
+                <a:cs typeface="+mn-cs"/>
+              </a:defRPr>
+            </a:lvl1pPr>
+            <a:lvl2pPr marL="685800" indent="-228600" algn="l" defTabSz="914400" rtl="0" eaLnBrk="1" latinLnBrk="0" hangingPunct="1">
+              <a:lnSpc>
+                <a:spcPct val="90000"/>
+              </a:lnSpc>
+              <a:spcBef>
+                <a:spcPts val="500"/>
+              </a:spcBef>
+              <a:buFont typeface="Arial" panose="020B0604020202020204" pitchFamily="34" charset="0"/>
+              <a:buChar char="•"/>
+              <a:defRPr sz="2400" b="0" kern="1200">
+                <a:solidFill>
+                  <a:schemeClr val="tx1"/>
+                </a:solidFill>
+                <a:latin typeface="+mn-lt"/>
+                <a:ea typeface="+mn-ea"/>
+                <a:cs typeface="+mn-cs"/>
+              </a:defRPr>
+            </a:lvl2pPr>
+            <a:lvl3pPr marL="1143000" indent="-228600" algn="l" defTabSz="914400" rtl="0" eaLnBrk="1" latinLnBrk="0" hangingPunct="1">
+              <a:lnSpc>
+                <a:spcPct val="90000"/>
+              </a:lnSpc>
+              <a:spcBef>
+                <a:spcPts val="500"/>
+              </a:spcBef>
+              <a:buFont typeface="Arial" panose="020B0604020202020204" pitchFamily="34" charset="0"/>
+              <a:buChar char="•"/>
+              <a:defRPr sz="2000" b="0" kern="1200">
+                <a:solidFill>
+                  <a:schemeClr val="tx1"/>
+                </a:solidFill>
+                <a:latin typeface="+mn-lt"/>
+                <a:ea typeface="+mn-ea"/>
+                <a:cs typeface="+mn-cs"/>
+              </a:defRPr>
+            </a:lvl3pPr>
+            <a:lvl4pPr marL="1600200" indent="-228600" algn="l" defTabSz="914400" rtl="0" eaLnBrk="1" latinLnBrk="0" hangingPunct="1">
+              <a:lnSpc>
+                <a:spcPct val="90000"/>
+              </a:lnSpc>
+              <a:spcBef>
+                <a:spcPts val="500"/>
+              </a:spcBef>
+              <a:buFont typeface="Arial" panose="020B0604020202020204" pitchFamily="34" charset="0"/>
+              <a:buChar char="•"/>
+              <a:defRPr sz="1800" b="0" kern="1200">
+                <a:solidFill>
+                  <a:schemeClr val="tx1"/>
+                </a:solidFill>
+                <a:latin typeface="+mn-lt"/>
+                <a:ea typeface="+mn-ea"/>
+                <a:cs typeface="+mn-cs"/>
+              </a:defRPr>
+            </a:lvl4pPr>
+            <a:lvl5pPr marL="2057400" indent="-228600" algn="l" defTabSz="914400" rtl="0" eaLnBrk="1" latinLnBrk="0" hangingPunct="1">
+              <a:lnSpc>
+                <a:spcPct val="90000"/>
+              </a:lnSpc>
+              <a:spcBef>
+                <a:spcPts val="500"/>
+              </a:spcBef>
+              <a:buFont typeface="Arial" panose="020B0604020202020204" pitchFamily="34" charset="0"/>
+              <a:buChar char="•"/>
+              <a:defRPr sz="1800" b="0" kern="1200">
+                <a:solidFill>
+                  <a:schemeClr val="tx1"/>
+                </a:solidFill>
+                <a:latin typeface="+mn-lt"/>
+                <a:ea typeface="+mn-ea"/>
+                <a:cs typeface="+mn-cs"/>
+              </a:defRPr>
+            </a:lvl5pPr>
+            <a:lvl6pPr marL="2514600" indent="-228600" algn="l" defTabSz="914400" rtl="0" eaLnBrk="1" latinLnBrk="0" hangingPunct="1">
+              <a:lnSpc>
+                <a:spcPct val="90000"/>
+              </a:lnSpc>
+              <a:spcBef>
+                <a:spcPts val="500"/>
+              </a:spcBef>
+              <a:buFont typeface="Arial" panose="020B0604020202020204" pitchFamily="34" charset="0"/>
+              <a:buChar char="•"/>
+              <a:defRPr sz="1800" kern="1200">
+                <a:solidFill>
+                  <a:schemeClr val="tx1"/>
+                </a:solidFill>
+                <a:latin typeface="+mn-lt"/>
+                <a:ea typeface="+mn-ea"/>
+                <a:cs typeface="+mn-cs"/>
+              </a:defRPr>
+            </a:lvl6pPr>
+            <a:lvl7pPr marL="2971800" indent="-228600" algn="l" defTabSz="914400" rtl="0" eaLnBrk="1" latinLnBrk="0" hangingPunct="1">
+              <a:lnSpc>
+                <a:spcPct val="90000"/>
+              </a:lnSpc>
+              <a:spcBef>
+                <a:spcPts val="500"/>
+              </a:spcBef>
+              <a:buFont typeface="Arial" panose="020B0604020202020204" pitchFamily="34" charset="0"/>
+              <a:buChar char="•"/>
+              <a:defRPr sz="1800" kern="1200">
+                <a:solidFill>
+                  <a:schemeClr val="tx1"/>
+                </a:solidFill>
+                <a:latin typeface="+mn-lt"/>
+                <a:ea typeface="+mn-ea"/>
+                <a:cs typeface="+mn-cs"/>
+              </a:defRPr>
+            </a:lvl7pPr>
+            <a:lvl8pPr marL="3429000" indent="-228600" algn="l" defTabSz="914400" rtl="0" eaLnBrk="1" latinLnBrk="0" hangingPunct="1">
+              <a:lnSpc>
+                <a:spcPct val="90000"/>
+              </a:lnSpc>
+              <a:spcBef>
+                <a:spcPts val="500"/>
+              </a:spcBef>
+              <a:buFont typeface="Arial" panose="020B0604020202020204" pitchFamily="34" charset="0"/>
+              <a:buChar char="•"/>
+              <a:defRPr sz="1800" kern="1200">
+                <a:solidFill>
+                  <a:schemeClr val="tx1"/>
+                </a:solidFill>
+                <a:latin typeface="+mn-lt"/>
+                <a:ea typeface="+mn-ea"/>
+                <a:cs typeface="+mn-cs"/>
+              </a:defRPr>
+            </a:lvl8pPr>
+            <a:lvl9pPr marL="3886200" indent="-228600" algn="l" defTabSz="914400" rtl="0" eaLnBrk="1" latinLnBrk="0" hangingPunct="1">
+              <a:lnSpc>
+                <a:spcPct val="90000"/>
+              </a:lnSpc>
+              <a:spcBef>
+                <a:spcPts val="500"/>
+              </a:spcBef>
+              <a:buFont typeface="Arial" panose="020B0604020202020204" pitchFamily="34" charset="0"/>
+              <a:buChar char="•"/>
+              <a:defRPr sz="1800" kern="1200">
+                <a:solidFill>
+                  <a:schemeClr val="tx1"/>
+                </a:solidFill>
+                <a:latin typeface="+mn-lt"/>
+                <a:ea typeface="+mn-ea"/>
+                <a:cs typeface="+mn-cs"/>
+              </a:defRPr>
+            </a:lvl9pPr>
+          </a:lstStyle>
+          <a:p>
+            <a:fld id="{78048C4E-7BD1-46A5-B2F2-6AD408DAAD47}" type="slidenum">
+              <a:rPr lang="en-US" b="1" smtClean="0">
+                <a:solidFill>
+                  <a:schemeClr val="bg1"/>
+                </a:solidFill>
+              </a:rPr>
+              <a:pPr/>
+              <a:t>27</a:t>
             </a:fld>
             <a:endParaRPr lang="en-US" b="1" dirty="0">
               <a:solidFill>
@@ -15074,7 +15957,7 @@
 </p:sld>
 </file>
 
-<file path=ppt/slides/slide23.xml><?xml version="1.0" encoding="utf-8"?>
+<file path=ppt/slides/slide28.xml><?xml version="1.0" encoding="utf-8"?>
 <p:sld xmlns:a="http://schemas.openxmlformats.org/drawingml/2006/main" xmlns:r="http://schemas.openxmlformats.org/officeDocument/2006/relationships" xmlns:p="http://schemas.openxmlformats.org/presentationml/2006/main">
   <p:cSld>
     <p:spTree>
